--- a/��ѵ/��Ŀ���� - 2. ����ģ��(msf based).pptx
+++ b/��ѵ/��Ŀ���� - 2. ����ģ��(msf based).pptx
@@ -5,27 +5,33 @@
     <p:sldMasterId id="2147483660" r:id="rId1"/>
   </p:sldMasterIdLst>
   <p:notesMasterIdLst>
-    <p:notesMasterId r:id="rId20"/>
+    <p:notesMasterId r:id="rId26"/>
   </p:notesMasterIdLst>
   <p:sldIdLst>
     <p:sldId id="256" r:id="rId2"/>
     <p:sldId id="257" r:id="rId3"/>
-    <p:sldId id="258" r:id="rId4"/>
-    <p:sldId id="259" r:id="rId5"/>
-    <p:sldId id="260" r:id="rId6"/>
-    <p:sldId id="261" r:id="rId7"/>
-    <p:sldId id="262" r:id="rId8"/>
-    <p:sldId id="263" r:id="rId9"/>
-    <p:sldId id="264" r:id="rId10"/>
-    <p:sldId id="265" r:id="rId11"/>
-    <p:sldId id="266" r:id="rId12"/>
-    <p:sldId id="267" r:id="rId13"/>
-    <p:sldId id="268" r:id="rId14"/>
-    <p:sldId id="269" r:id="rId15"/>
-    <p:sldId id="273" r:id="rId16"/>
-    <p:sldId id="270" r:id="rId17"/>
-    <p:sldId id="271" r:id="rId18"/>
-    <p:sldId id="272" r:id="rId19"/>
+    <p:sldId id="274" r:id="rId4"/>
+    <p:sldId id="258" r:id="rId5"/>
+    <p:sldId id="259" r:id="rId6"/>
+    <p:sldId id="260" r:id="rId7"/>
+    <p:sldId id="261" r:id="rId8"/>
+    <p:sldId id="262" r:id="rId9"/>
+    <p:sldId id="275" r:id="rId10"/>
+    <p:sldId id="263" r:id="rId11"/>
+    <p:sldId id="279" r:id="rId12"/>
+    <p:sldId id="264" r:id="rId13"/>
+    <p:sldId id="265" r:id="rId14"/>
+    <p:sldId id="266" r:id="rId15"/>
+    <p:sldId id="267" r:id="rId16"/>
+    <p:sldId id="268" r:id="rId17"/>
+    <p:sldId id="269" r:id="rId18"/>
+    <p:sldId id="273" r:id="rId19"/>
+    <p:sldId id="270" r:id="rId20"/>
+    <p:sldId id="271" r:id="rId21"/>
+    <p:sldId id="272" r:id="rId22"/>
+    <p:sldId id="276" r:id="rId23"/>
+    <p:sldId id="277" r:id="rId24"/>
+    <p:sldId id="278" r:id="rId25"/>
   </p:sldIdLst>
   <p:sldSz cx="9144000" cy="6858000" type="screen4x3"/>
   <p:notesSz cx="6858000" cy="9144000"/>
@@ -209,7 +215,7 @@
           <a:p>
             <a:fld id="{8B2801E3-CA6A-4A79-87E4-A028D49854B5}" type="datetimeFigureOut">
               <a:rPr lang="zh-CN" altLang="en-US" smtClean="0"/>
-              <a:t>2011/5/19</a:t>
+              <a:t>2011/5/25</a:t>
             </a:fld>
             <a:endParaRPr lang="zh-CN" altLang="en-US"/>
           </a:p>
@@ -686,7 +692,7 @@
           <a:p>
             <a:fld id="{530820CF-B880-4189-942D-D702A7CBA730}" type="datetimeFigureOut">
               <a:rPr lang="zh-CN" altLang="en-US" smtClean="0"/>
-              <a:t>2011/5/19</a:t>
+              <a:t>2011/5/25</a:t>
             </a:fld>
             <a:endParaRPr lang="zh-CN" altLang="en-US"/>
           </a:p>
@@ -919,7 +925,7 @@
           <a:p>
             <a:fld id="{530820CF-B880-4189-942D-D702A7CBA730}" type="datetimeFigureOut">
               <a:rPr lang="zh-CN" altLang="en-US" smtClean="0"/>
-              <a:t>2011/5/19</a:t>
+              <a:t>2011/5/25</a:t>
             </a:fld>
             <a:endParaRPr lang="zh-CN" altLang="en-US"/>
           </a:p>
@@ -1157,7 +1163,7 @@
           <a:p>
             <a:fld id="{530820CF-B880-4189-942D-D702A7CBA730}" type="datetimeFigureOut">
               <a:rPr lang="zh-CN" altLang="en-US" smtClean="0"/>
-              <a:t>2011/5/19</a:t>
+              <a:t>2011/5/25</a:t>
             </a:fld>
             <a:endParaRPr lang="zh-CN" altLang="en-US"/>
           </a:p>
@@ -1492,7 +1498,7 @@
           <a:p>
             <a:fld id="{530820CF-B880-4189-942D-D702A7CBA730}" type="datetimeFigureOut">
               <a:rPr lang="zh-CN" altLang="en-US" smtClean="0"/>
-              <a:t>2011/5/19</a:t>
+              <a:t>2011/5/25</a:t>
             </a:fld>
             <a:endParaRPr lang="zh-CN" altLang="en-US"/>
           </a:p>
@@ -1745,7 +1751,7 @@
           <a:p>
             <a:fld id="{530820CF-B880-4189-942D-D702A7CBA730}" type="datetimeFigureOut">
               <a:rPr lang="zh-CN" altLang="en-US" smtClean="0"/>
-              <a:t>2011/5/19</a:t>
+              <a:t>2011/5/25</a:t>
             </a:fld>
             <a:endParaRPr lang="zh-CN" altLang="en-US"/>
           </a:p>
@@ -2110,7 +2116,7 @@
           <a:p>
             <a:fld id="{530820CF-B880-4189-942D-D702A7CBA730}" type="datetimeFigureOut">
               <a:rPr lang="zh-CN" altLang="en-US" smtClean="0"/>
-              <a:t>2011/5/19</a:t>
+              <a:t>2011/5/25</a:t>
             </a:fld>
             <a:endParaRPr lang="zh-CN" altLang="en-US"/>
           </a:p>
@@ -2653,7 +2659,7 @@
           <a:p>
             <a:fld id="{530820CF-B880-4189-942D-D702A7CBA730}" type="datetimeFigureOut">
               <a:rPr lang="zh-CN" altLang="en-US" smtClean="0"/>
-              <a:t>2011/5/19</a:t>
+              <a:t>2011/5/25</a:t>
             </a:fld>
             <a:endParaRPr lang="zh-CN" altLang="en-US"/>
           </a:p>
@@ -2778,7 +2784,7 @@
           <a:p>
             <a:fld id="{530820CF-B880-4189-942D-D702A7CBA730}" type="datetimeFigureOut">
               <a:rPr lang="zh-CN" altLang="en-US" smtClean="0"/>
-              <a:t>2011/5/19</a:t>
+              <a:t>2011/5/25</a:t>
             </a:fld>
             <a:endParaRPr lang="zh-CN" altLang="en-US"/>
           </a:p>
@@ -2880,7 +2886,7 @@
           <a:p>
             <a:fld id="{530820CF-B880-4189-942D-D702A7CBA730}" type="datetimeFigureOut">
               <a:rPr lang="zh-CN" altLang="en-US" smtClean="0"/>
-              <a:t>2011/5/19</a:t>
+              <a:t>2011/5/25</a:t>
             </a:fld>
             <a:endParaRPr lang="zh-CN" altLang="en-US"/>
           </a:p>
@@ -3213,7 +3219,7 @@
           <a:p>
             <a:fld id="{530820CF-B880-4189-942D-D702A7CBA730}" type="datetimeFigureOut">
               <a:rPr lang="zh-CN" altLang="en-US" smtClean="0"/>
-              <a:t>2011/5/19</a:t>
+              <a:t>2011/5/25</a:t>
             </a:fld>
             <a:endParaRPr lang="zh-CN" altLang="en-US"/>
           </a:p>
@@ -3484,7 +3490,7 @@
           <a:p>
             <a:fld id="{530820CF-B880-4189-942D-D702A7CBA730}" type="datetimeFigureOut">
               <a:rPr lang="zh-CN" altLang="en-US" smtClean="0"/>
-              <a:t>2011/5/19</a:t>
+              <a:t>2011/5/25</a:t>
             </a:fld>
             <a:endParaRPr lang="zh-CN" altLang="en-US"/>
           </a:p>
@@ -3921,7 +3927,7 @@
           <a:p>
             <a:fld id="{530820CF-B880-4189-942D-D702A7CBA730}" type="datetimeFigureOut">
               <a:rPr lang="zh-CN" altLang="en-US" smtClean="0"/>
-              <a:t>2011/5/19</a:t>
+              <a:t>2011/5/25</a:t>
             </a:fld>
             <a:endParaRPr lang="zh-CN" altLang="en-US"/>
           </a:p>
@@ -4449,6 +4455,1102 @@
 </file>
 
 <file path=ppt/slides/slide10.xml><?xml version="1.0" encoding="utf-8"?>
+<p:sld xmlns:a="http://schemas.openxmlformats.org/drawingml/2006/main" xmlns:r="http://schemas.openxmlformats.org/officeDocument/2006/relationships" xmlns:p="http://schemas.openxmlformats.org/presentationml/2006/main">
+  <p:cSld>
+    <p:spTree>
+      <p:nvGrpSpPr>
+        <p:cNvPr id="1" name=""/>
+        <p:cNvGrpSpPr/>
+        <p:nvPr/>
+      </p:nvGrpSpPr>
+      <p:grpSpPr>
+        <a:xfrm>
+          <a:off x="0" y="0"/>
+          <a:ext cx="0" cy="0"/>
+          <a:chOff x="0" y="0"/>
+          <a:chExt cx="0" cy="0"/>
+        </a:xfrm>
+      </p:grpSpPr>
+      <p:sp>
+        <p:nvSpPr>
+          <p:cNvPr id="2" name="标题 1"/>
+          <p:cNvSpPr>
+            <a:spLocks noGrp="1"/>
+          </p:cNvSpPr>
+          <p:nvPr>
+            <p:ph type="title"/>
+          </p:nvPr>
+        </p:nvSpPr>
+        <p:spPr/>
+        <p:txBody>
+          <a:bodyPr/>
+          <a:lstStyle/>
+          <a:p>
+            <a:r>
+              <a:rPr lang="zh-CN" altLang="en-US" dirty="0"/>
+              <a:t>构想</a:t>
+            </a:r>
+            <a:r>
+              <a:rPr lang="en-US" altLang="zh-CN" dirty="0"/>
+              <a:t>(Envisioning)</a:t>
+            </a:r>
+            <a:endParaRPr lang="zh-CN" altLang="en-US" dirty="0"/>
+          </a:p>
+        </p:txBody>
+      </p:sp>
+      <p:sp>
+        <p:nvSpPr>
+          <p:cNvPr id="3" name="内容占位符 2"/>
+          <p:cNvSpPr>
+            <a:spLocks noGrp="1"/>
+          </p:cNvSpPr>
+          <p:nvPr>
+            <p:ph idx="1"/>
+          </p:nvPr>
+        </p:nvSpPr>
+        <p:spPr>
+          <a:xfrm>
+            <a:off x="457200" y="1268760"/>
+            <a:ext cx="4114800" cy="4857403"/>
+          </a:xfrm>
+        </p:spPr>
+        <p:txBody>
+          <a:bodyPr>
+            <a:normAutofit fontScale="85000" lnSpcReduction="10000"/>
+          </a:bodyPr>
+          <a:lstStyle/>
+          <a:p>
+            <a:r>
+              <a:rPr lang="zh-CN" altLang="en-US" dirty="0" smtClean="0"/>
+              <a:t>目标：</a:t>
+            </a:r>
+            <a:endParaRPr lang="en-US" altLang="zh-CN" dirty="0" smtClean="0"/>
+          </a:p>
+          <a:p>
+            <a:pPr lvl="1"/>
+            <a:r>
+              <a:rPr lang="zh-CN" altLang="en-US" dirty="0"/>
+              <a:t>确立</a:t>
+            </a:r>
+            <a:r>
+              <a:rPr lang="zh-CN" altLang="en-US" dirty="0" smtClean="0"/>
+              <a:t>项</a:t>
+            </a:r>
+            <a:r>
+              <a:rPr lang="zh-CN" altLang="en-US" dirty="0" smtClean="0"/>
+              <a:t>目愿</a:t>
+            </a:r>
+            <a:r>
+              <a:rPr lang="zh-CN" altLang="en-US" dirty="0" smtClean="0"/>
+              <a:t>景，立项</a:t>
+            </a:r>
+            <a:endParaRPr lang="en-US" altLang="zh-CN" dirty="0" smtClean="0"/>
+          </a:p>
+          <a:p>
+            <a:pPr lvl="1"/>
+            <a:r>
+              <a:rPr lang="zh-CN" altLang="en-US" dirty="0" smtClean="0"/>
+              <a:t>创建</a:t>
+            </a:r>
+            <a:r>
+              <a:rPr lang="zh-CN" altLang="en-US" dirty="0" smtClean="0">
+                <a:solidFill>
+                  <a:srgbClr val="FF0000"/>
+                </a:solidFill>
+              </a:rPr>
+              <a:t>高层次</a:t>
+            </a:r>
+            <a:r>
+              <a:rPr lang="zh-CN" altLang="en-US" dirty="0" smtClean="0"/>
+              <a:t>的项目目标、假设、约束</a:t>
+            </a:r>
+            <a:endParaRPr lang="en-US" altLang="zh-CN" dirty="0" smtClean="0"/>
+          </a:p>
+          <a:p>
+            <a:r>
+              <a:rPr lang="zh-CN" altLang="en-US" dirty="0" smtClean="0"/>
+              <a:t>可</a:t>
+            </a:r>
+            <a:r>
+              <a:rPr lang="zh-CN" altLang="en-US" dirty="0"/>
+              <a:t>交付成果</a:t>
+            </a:r>
+            <a:r>
+              <a:rPr lang="zh-CN" altLang="en-US" dirty="0" smtClean="0"/>
+              <a:t>：</a:t>
+            </a:r>
+            <a:endParaRPr lang="en-US" altLang="zh-CN" dirty="0" smtClean="0"/>
+          </a:p>
+          <a:p>
+            <a:pPr lvl="1"/>
+            <a:r>
+              <a:rPr lang="zh-CN" altLang="en-US" dirty="0"/>
+              <a:t>项目章</a:t>
+            </a:r>
+            <a:r>
+              <a:rPr lang="zh-CN" altLang="en-US" dirty="0" smtClean="0"/>
+              <a:t>程</a:t>
+            </a:r>
+            <a:endParaRPr lang="en-US" altLang="zh-CN" dirty="0" smtClean="0"/>
+          </a:p>
+          <a:p>
+            <a:pPr lvl="1"/>
+            <a:r>
+              <a:rPr lang="zh-CN" altLang="en-US" dirty="0"/>
+              <a:t>干系人登记</a:t>
+            </a:r>
+            <a:r>
+              <a:rPr lang="zh-CN" altLang="en-US" dirty="0" smtClean="0"/>
+              <a:t>册</a:t>
+            </a:r>
+            <a:endParaRPr lang="en-US" altLang="zh-CN" dirty="0" smtClean="0"/>
+          </a:p>
+          <a:p>
+            <a:pPr lvl="1"/>
+            <a:r>
+              <a:rPr lang="zh-CN" altLang="en-US" dirty="0"/>
+              <a:t>风险登记册</a:t>
+            </a:r>
+          </a:p>
+        </p:txBody>
+      </p:sp>
+      <p:pic>
+        <p:nvPicPr>
+          <p:cNvPr id="2050" name="Picture 2"/>
+          <p:cNvPicPr>
+            <a:picLocks noChangeAspect="1" noChangeArrowheads="1"/>
+          </p:cNvPicPr>
+          <p:nvPr/>
+        </p:nvPicPr>
+        <p:blipFill>
+          <a:blip r:embed="rId2">
+            <a:extLst>
+              <a:ext uri="{28A0092B-C50C-407E-A947-70E740481C1C}">
+                <a14:useLocalDpi xmlns:a14="http://schemas.microsoft.com/office/drawing/2010/main" val="0"/>
+              </a:ext>
+            </a:extLst>
+          </a:blip>
+          <a:srcRect/>
+          <a:stretch>
+            <a:fillRect/>
+          </a:stretch>
+        </p:blipFill>
+        <p:spPr bwMode="auto">
+          <a:xfrm>
+            <a:off x="5004048" y="1484784"/>
+            <a:ext cx="3816424" cy="2392219"/>
+          </a:xfrm>
+          <a:prstGeom prst="rect">
+            <a:avLst/>
+          </a:prstGeom>
+          <a:noFill/>
+          <a:ln>
+            <a:noFill/>
+          </a:ln>
+          <a:effectLst/>
+          <a:extLst>
+            <a:ext uri="{909E8E84-426E-40DD-AFC4-6F175D3DCCD1}">
+              <a14:hiddenFill xmlns:a14="http://schemas.microsoft.com/office/drawing/2010/main">
+                <a:solidFill>
+                  <a:schemeClr val="accent1"/>
+                </a:solidFill>
+              </a14:hiddenFill>
+            </a:ext>
+            <a:ext uri="{91240B29-F687-4F45-9708-019B960494DF}">
+              <a14:hiddenLine xmlns:a14="http://schemas.microsoft.com/office/drawing/2010/main" w="9525">
+                <a:solidFill>
+                  <a:schemeClr val="tx1"/>
+                </a:solidFill>
+                <a:miter lim="800000"/>
+                <a:headEnd/>
+                <a:tailEnd/>
+              </a14:hiddenLine>
+            </a:ext>
+            <a:ext uri="{AF507438-7753-43E0-B8FC-AC1667EBCBE1}">
+              <a14:hiddenEffects xmlns:a14="http://schemas.microsoft.com/office/drawing/2010/main">
+                <a:effectLst>
+                  <a:outerShdw dist="35921" dir="2700000" algn="ctr" rotWithShape="0">
+                    <a:schemeClr val="bg2"/>
+                  </a:outerShdw>
+                </a:effectLst>
+              </a14:hiddenEffects>
+            </a:ext>
+          </a:extLst>
+        </p:spPr>
+      </p:pic>
+      <p:pic>
+        <p:nvPicPr>
+          <p:cNvPr id="2051" name="Picture 3"/>
+          <p:cNvPicPr>
+            <a:picLocks noChangeAspect="1" noChangeArrowheads="1"/>
+          </p:cNvPicPr>
+          <p:nvPr/>
+        </p:nvPicPr>
+        <p:blipFill>
+          <a:blip r:embed="rId3">
+            <a:extLst>
+              <a:ext uri="{28A0092B-C50C-407E-A947-70E740481C1C}">
+                <a14:useLocalDpi xmlns:a14="http://schemas.microsoft.com/office/drawing/2010/main" val="0"/>
+              </a:ext>
+            </a:extLst>
+          </a:blip>
+          <a:srcRect/>
+          <a:stretch>
+            <a:fillRect/>
+          </a:stretch>
+        </p:blipFill>
+        <p:spPr bwMode="auto">
+          <a:xfrm>
+            <a:off x="4640547" y="4293096"/>
+            <a:ext cx="4543425" cy="1943100"/>
+          </a:xfrm>
+          <a:prstGeom prst="rect">
+            <a:avLst/>
+          </a:prstGeom>
+          <a:noFill/>
+          <a:ln>
+            <a:noFill/>
+          </a:ln>
+          <a:effectLst/>
+          <a:extLst>
+            <a:ext uri="{909E8E84-426E-40DD-AFC4-6F175D3DCCD1}">
+              <a14:hiddenFill xmlns:a14="http://schemas.microsoft.com/office/drawing/2010/main">
+                <a:solidFill>
+                  <a:schemeClr val="accent1"/>
+                </a:solidFill>
+              </a14:hiddenFill>
+            </a:ext>
+            <a:ext uri="{91240B29-F687-4F45-9708-019B960494DF}">
+              <a14:hiddenLine xmlns:a14="http://schemas.microsoft.com/office/drawing/2010/main" w="9525">
+                <a:solidFill>
+                  <a:schemeClr val="tx1"/>
+                </a:solidFill>
+                <a:miter lim="800000"/>
+                <a:headEnd/>
+                <a:tailEnd/>
+              </a14:hiddenLine>
+            </a:ext>
+            <a:ext uri="{AF507438-7753-43E0-B8FC-AC1667EBCBE1}">
+              <a14:hiddenEffects xmlns:a14="http://schemas.microsoft.com/office/drawing/2010/main">
+                <a:effectLst>
+                  <a:outerShdw dist="35921" dir="2700000" algn="ctr" rotWithShape="0">
+                    <a:schemeClr val="bg2"/>
+                  </a:outerShdw>
+                </a:effectLst>
+              </a14:hiddenEffects>
+            </a:ext>
+          </a:extLst>
+        </p:spPr>
+      </p:pic>
+      <p:pic>
+        <p:nvPicPr>
+          <p:cNvPr id="4" name="Picture 2"/>
+          <p:cNvPicPr>
+            <a:picLocks noChangeAspect="1" noChangeArrowheads="1"/>
+          </p:cNvPicPr>
+          <p:nvPr/>
+        </p:nvPicPr>
+        <p:blipFill>
+          <a:blip r:embed="rId4" cstate="print">
+            <a:extLst>
+              <a:ext uri="{28A0092B-C50C-407E-A947-70E740481C1C}">
+                <a14:useLocalDpi xmlns:a14="http://schemas.microsoft.com/office/drawing/2010/main" val="0"/>
+              </a:ext>
+            </a:extLst>
+          </a:blip>
+          <a:srcRect/>
+          <a:stretch>
+            <a:fillRect/>
+          </a:stretch>
+        </p:blipFill>
+        <p:spPr bwMode="auto">
+          <a:xfrm>
+            <a:off x="8115537" y="361684"/>
+            <a:ext cx="1035193" cy="648072"/>
+          </a:xfrm>
+          <a:prstGeom prst="rect">
+            <a:avLst/>
+          </a:prstGeom>
+          <a:noFill/>
+          <a:ln>
+            <a:noFill/>
+          </a:ln>
+          <a:effectLst/>
+          <a:extLst>
+            <a:ext uri="{909E8E84-426E-40DD-AFC4-6F175D3DCCD1}">
+              <a14:hiddenFill xmlns:a14="http://schemas.microsoft.com/office/drawing/2010/main">
+                <a:solidFill>
+                  <a:schemeClr val="accent1"/>
+                </a:solidFill>
+              </a14:hiddenFill>
+            </a:ext>
+            <a:ext uri="{91240B29-F687-4F45-9708-019B960494DF}">
+              <a14:hiddenLine xmlns:a14="http://schemas.microsoft.com/office/drawing/2010/main" w="9525">
+                <a:solidFill>
+                  <a:schemeClr val="tx1"/>
+                </a:solidFill>
+                <a:miter lim="800000"/>
+                <a:headEnd/>
+                <a:tailEnd/>
+              </a14:hiddenLine>
+            </a:ext>
+            <a:ext uri="{AF507438-7753-43E0-B8FC-AC1667EBCBE1}">
+              <a14:hiddenEffects xmlns:a14="http://schemas.microsoft.com/office/drawing/2010/main">
+                <a:effectLst>
+                  <a:outerShdw dist="35921" dir="2700000" algn="ctr" rotWithShape="0">
+                    <a:schemeClr val="bg2"/>
+                  </a:outerShdw>
+                </a:effectLst>
+              </a14:hiddenEffects>
+            </a:ext>
+          </a:extLst>
+        </p:spPr>
+      </p:pic>
+    </p:spTree>
+    <p:extLst>
+      <p:ext uri="{BB962C8B-B14F-4D97-AF65-F5344CB8AC3E}">
+        <p14:creationId xmlns:p14="http://schemas.microsoft.com/office/powerpoint/2010/main" val="558824130"/>
+      </p:ext>
+    </p:extLst>
+  </p:cSld>
+  <p:clrMapOvr>
+    <a:masterClrMapping/>
+  </p:clrMapOvr>
+  <p:timing>
+    <p:tnLst>
+      <p:par>
+        <p:cTn id="1" dur="indefinite" restart="never" nodeType="tmRoot"/>
+      </p:par>
+    </p:tnLst>
+  </p:timing>
+</p:sld>
+</file>
+
+<file path=ppt/slides/slide11.xml><?xml version="1.0" encoding="utf-8"?>
+<p:sld xmlns:a="http://schemas.openxmlformats.org/drawingml/2006/main" xmlns:r="http://schemas.openxmlformats.org/officeDocument/2006/relationships" xmlns:p="http://schemas.openxmlformats.org/presentationml/2006/main">
+  <p:cSld>
+    <p:spTree>
+      <p:nvGrpSpPr>
+        <p:cNvPr id="1" name=""/>
+        <p:cNvGrpSpPr/>
+        <p:nvPr/>
+      </p:nvGrpSpPr>
+      <p:grpSpPr>
+        <a:xfrm>
+          <a:off x="0" y="0"/>
+          <a:ext cx="0" cy="0"/>
+          <a:chOff x="0" y="0"/>
+          <a:chExt cx="0" cy="0"/>
+        </a:xfrm>
+      </p:grpSpPr>
+      <p:sp>
+        <p:nvSpPr>
+          <p:cNvPr id="2" name="标题 1"/>
+          <p:cNvSpPr>
+            <a:spLocks noGrp="1"/>
+          </p:cNvSpPr>
+          <p:nvPr>
+            <p:ph type="title"/>
+          </p:nvPr>
+        </p:nvSpPr>
+        <p:spPr/>
+        <p:txBody>
+          <a:bodyPr/>
+          <a:lstStyle/>
+          <a:p>
+            <a:r>
+              <a:rPr lang="zh-CN" altLang="en-US" dirty="0"/>
+              <a:t>构想</a:t>
+            </a:r>
+            <a:r>
+              <a:rPr lang="en-US" altLang="zh-CN" dirty="0"/>
+              <a:t>(</a:t>
+            </a:r>
+            <a:r>
+              <a:rPr lang="en-US" altLang="zh-CN" dirty="0" smtClean="0"/>
+              <a:t>Envisioning</a:t>
+            </a:r>
+            <a:r>
+              <a:rPr lang="en-US" altLang="zh-CN" dirty="0"/>
+              <a:t>)</a:t>
+            </a:r>
+            <a:endParaRPr lang="zh-CN" altLang="en-US" dirty="0"/>
+          </a:p>
+        </p:txBody>
+      </p:sp>
+      <p:pic>
+        <p:nvPicPr>
+          <p:cNvPr id="4" name="Picture 2"/>
+          <p:cNvPicPr>
+            <a:picLocks noGrp="1" noChangeAspect="1" noChangeArrowheads="1"/>
+          </p:cNvPicPr>
+          <p:nvPr>
+            <p:ph idx="1"/>
+          </p:nvPr>
+        </p:nvPicPr>
+        <p:blipFill>
+          <a:blip r:embed="rId2" cstate="print">
+            <a:extLst>
+              <a:ext uri="{28A0092B-C50C-407E-A947-70E740481C1C}">
+                <a14:useLocalDpi xmlns:a14="http://schemas.microsoft.com/office/drawing/2010/main" val="0"/>
+              </a:ext>
+            </a:extLst>
+          </a:blip>
+          <a:srcRect/>
+          <a:stretch>
+            <a:fillRect/>
+          </a:stretch>
+        </p:blipFill>
+        <p:spPr bwMode="auto">
+          <a:xfrm>
+            <a:off x="8092811" y="361684"/>
+            <a:ext cx="1034984" cy="648424"/>
+          </a:xfrm>
+          <a:prstGeom prst="rect">
+            <a:avLst/>
+          </a:prstGeom>
+          <a:noFill/>
+          <a:ln>
+            <a:noFill/>
+          </a:ln>
+          <a:effectLst/>
+          <a:extLst>
+            <a:ext uri="{909E8E84-426E-40DD-AFC4-6F175D3DCCD1}">
+              <a14:hiddenFill xmlns:a14="http://schemas.microsoft.com/office/drawing/2010/main">
+                <a:solidFill>
+                  <a:schemeClr val="accent1"/>
+                </a:solidFill>
+              </a14:hiddenFill>
+            </a:ext>
+            <a:ext uri="{91240B29-F687-4F45-9708-019B960494DF}">
+              <a14:hiddenLine xmlns:a14="http://schemas.microsoft.com/office/drawing/2010/main" w="9525">
+                <a:solidFill>
+                  <a:schemeClr val="tx1"/>
+                </a:solidFill>
+                <a:miter lim="800000"/>
+                <a:headEnd/>
+                <a:tailEnd/>
+              </a14:hiddenLine>
+            </a:ext>
+            <a:ext uri="{AF507438-7753-43E0-B8FC-AC1667EBCBE1}">
+              <a14:hiddenEffects xmlns:a14="http://schemas.microsoft.com/office/drawing/2010/main">
+                <a:effectLst>
+                  <a:outerShdw dist="35921" dir="2700000" algn="ctr" rotWithShape="0">
+                    <a:schemeClr val="bg2"/>
+                  </a:outerShdw>
+                </a:effectLst>
+              </a14:hiddenEffects>
+            </a:ext>
+          </a:extLst>
+        </p:spPr>
+      </p:pic>
+      <p:sp>
+        <p:nvSpPr>
+          <p:cNvPr id="5" name="内容占位符 2"/>
+          <p:cNvSpPr txBox="1">
+            <a:spLocks/>
+          </p:cNvSpPr>
+          <p:nvPr/>
+        </p:nvSpPr>
+        <p:spPr>
+          <a:xfrm>
+            <a:off x="457200" y="1196752"/>
+            <a:ext cx="8229600" cy="4929411"/>
+          </a:xfrm>
+          <a:prstGeom prst="rect">
+            <a:avLst/>
+          </a:prstGeom>
+        </p:spPr>
+        <p:txBody>
+          <a:bodyPr vert="horz" lIns="91440" tIns="45720" rIns="91440" bIns="45720" rtlCol="0">
+            <a:normAutofit/>
+          </a:bodyPr>
+          <a:lstStyle>
+            <a:lvl1pPr marL="342900" indent="-342900" algn="l" defTabSz="914400" rtl="0" eaLnBrk="1" latinLnBrk="0" hangingPunct="1">
+              <a:lnSpc>
+                <a:spcPct val="150000"/>
+              </a:lnSpc>
+              <a:spcBef>
+                <a:spcPct val="20000"/>
+              </a:spcBef>
+              <a:buFont typeface="Arial" pitchFamily="34" charset="0"/>
+              <a:buChar char="•"/>
+              <a:defRPr lang="zh-CN" altLang="en-US" sz="3200" kern="1200" smtClean="0">
+                <a:solidFill>
+                  <a:schemeClr val="tx1">
+                    <a:lumMod val="75000"/>
+                    <a:lumOff val="25000"/>
+                  </a:schemeClr>
+                </a:solidFill>
+                <a:effectLst>
+                  <a:outerShdw blurRad="38100" dist="38100" dir="2700000" algn="tl">
+                    <a:srgbClr val="000000">
+                      <a:alpha val="43137"/>
+                    </a:srgbClr>
+                  </a:outerShdw>
+                </a:effectLst>
+                <a:latin typeface="微软雅黑" pitchFamily="34" charset="-122"/>
+                <a:ea typeface="微软雅黑" pitchFamily="34" charset="-122"/>
+                <a:cs typeface="+mn-cs"/>
+              </a:defRPr>
+            </a:lvl1pPr>
+            <a:lvl2pPr marL="742950" indent="-285750" algn="l" defTabSz="914400" rtl="0" eaLnBrk="1" latinLnBrk="0" hangingPunct="1">
+              <a:lnSpc>
+                <a:spcPct val="150000"/>
+              </a:lnSpc>
+              <a:spcBef>
+                <a:spcPct val="20000"/>
+              </a:spcBef>
+              <a:buFont typeface="Arial" pitchFamily="34" charset="0"/>
+              <a:buChar char="–"/>
+              <a:defRPr lang="zh-CN" altLang="en-US" sz="2800" kern="1200" smtClean="0">
+                <a:solidFill>
+                  <a:schemeClr val="tx1">
+                    <a:lumMod val="75000"/>
+                    <a:lumOff val="25000"/>
+                  </a:schemeClr>
+                </a:solidFill>
+                <a:effectLst>
+                  <a:outerShdw blurRad="38100" dist="38100" dir="2700000" algn="tl">
+                    <a:srgbClr val="000000">
+                      <a:alpha val="43137"/>
+                    </a:srgbClr>
+                  </a:outerShdw>
+                </a:effectLst>
+                <a:latin typeface="微软雅黑" pitchFamily="34" charset="-122"/>
+                <a:ea typeface="微软雅黑" pitchFamily="34" charset="-122"/>
+                <a:cs typeface="+mn-cs"/>
+              </a:defRPr>
+            </a:lvl2pPr>
+            <a:lvl3pPr marL="1143000" indent="-228600" algn="l" defTabSz="914400" rtl="0" eaLnBrk="1" latinLnBrk="0" hangingPunct="1">
+              <a:lnSpc>
+                <a:spcPct val="150000"/>
+              </a:lnSpc>
+              <a:spcBef>
+                <a:spcPct val="20000"/>
+              </a:spcBef>
+              <a:buFont typeface="Arial" pitchFamily="34" charset="0"/>
+              <a:buChar char="•"/>
+              <a:defRPr lang="zh-CN" altLang="en-US" sz="2400" kern="1200" smtClean="0">
+                <a:solidFill>
+                  <a:schemeClr val="tx1">
+                    <a:lumMod val="75000"/>
+                    <a:lumOff val="25000"/>
+                  </a:schemeClr>
+                </a:solidFill>
+                <a:effectLst>
+                  <a:outerShdw blurRad="38100" dist="38100" dir="2700000" algn="tl">
+                    <a:srgbClr val="000000">
+                      <a:alpha val="43137"/>
+                    </a:srgbClr>
+                  </a:outerShdw>
+                </a:effectLst>
+                <a:latin typeface="微软雅黑" pitchFamily="34" charset="-122"/>
+                <a:ea typeface="微软雅黑" pitchFamily="34" charset="-122"/>
+                <a:cs typeface="+mn-cs"/>
+              </a:defRPr>
+            </a:lvl3pPr>
+            <a:lvl4pPr marL="1600200" indent="-228600" algn="l" defTabSz="914400" rtl="0" eaLnBrk="1" latinLnBrk="0" hangingPunct="1">
+              <a:lnSpc>
+                <a:spcPct val="150000"/>
+              </a:lnSpc>
+              <a:spcBef>
+                <a:spcPct val="20000"/>
+              </a:spcBef>
+              <a:buFont typeface="Arial" pitchFamily="34" charset="0"/>
+              <a:buChar char="–"/>
+              <a:defRPr lang="zh-CN" altLang="en-US" sz="2000" kern="1200" smtClean="0">
+                <a:solidFill>
+                  <a:schemeClr val="tx1">
+                    <a:lumMod val="75000"/>
+                    <a:lumOff val="25000"/>
+                  </a:schemeClr>
+                </a:solidFill>
+                <a:effectLst>
+                  <a:outerShdw blurRad="38100" dist="38100" dir="2700000" algn="tl">
+                    <a:srgbClr val="000000">
+                      <a:alpha val="43137"/>
+                    </a:srgbClr>
+                  </a:outerShdw>
+                </a:effectLst>
+                <a:latin typeface="微软雅黑" pitchFamily="34" charset="-122"/>
+                <a:ea typeface="微软雅黑" pitchFamily="34" charset="-122"/>
+                <a:cs typeface="+mn-cs"/>
+              </a:defRPr>
+            </a:lvl4pPr>
+            <a:lvl5pPr marL="2057400" indent="-228600" algn="l" defTabSz="914400" rtl="0" eaLnBrk="1" latinLnBrk="0" hangingPunct="1">
+              <a:lnSpc>
+                <a:spcPct val="150000"/>
+              </a:lnSpc>
+              <a:spcBef>
+                <a:spcPct val="20000"/>
+              </a:spcBef>
+              <a:buFont typeface="Arial" pitchFamily="34" charset="0"/>
+              <a:buChar char="»"/>
+              <a:defRPr lang="zh-CN" altLang="en-US" sz="2000" kern="1200">
+                <a:solidFill>
+                  <a:schemeClr val="tx1">
+                    <a:lumMod val="75000"/>
+                    <a:lumOff val="25000"/>
+                  </a:schemeClr>
+                </a:solidFill>
+                <a:effectLst>
+                  <a:outerShdw blurRad="38100" dist="38100" dir="2700000" algn="tl">
+                    <a:srgbClr val="000000">
+                      <a:alpha val="43137"/>
+                    </a:srgbClr>
+                  </a:outerShdw>
+                </a:effectLst>
+                <a:latin typeface="微软雅黑" pitchFamily="34" charset="-122"/>
+                <a:ea typeface="微软雅黑" pitchFamily="34" charset="-122"/>
+                <a:cs typeface="+mn-cs"/>
+              </a:defRPr>
+            </a:lvl5pPr>
+            <a:lvl6pPr marL="2514600" indent="-228600" algn="l" defTabSz="914400" rtl="0" eaLnBrk="1" latinLnBrk="0" hangingPunct="1">
+              <a:spcBef>
+                <a:spcPct val="20000"/>
+              </a:spcBef>
+              <a:buFont typeface="Arial" pitchFamily="34" charset="0"/>
+              <a:buChar char="•"/>
+              <a:defRPr sz="2000" kern="1200">
+                <a:solidFill>
+                  <a:schemeClr val="tx1"/>
+                </a:solidFill>
+                <a:latin typeface="+mn-lt"/>
+                <a:ea typeface="+mn-ea"/>
+                <a:cs typeface="+mn-cs"/>
+              </a:defRPr>
+            </a:lvl6pPr>
+            <a:lvl7pPr marL="2971800" indent="-228600" algn="l" defTabSz="914400" rtl="0" eaLnBrk="1" latinLnBrk="0" hangingPunct="1">
+              <a:spcBef>
+                <a:spcPct val="20000"/>
+              </a:spcBef>
+              <a:buFont typeface="Arial" pitchFamily="34" charset="0"/>
+              <a:buChar char="•"/>
+              <a:defRPr sz="2000" kern="1200">
+                <a:solidFill>
+                  <a:schemeClr val="tx1"/>
+                </a:solidFill>
+                <a:latin typeface="+mn-lt"/>
+                <a:ea typeface="+mn-ea"/>
+                <a:cs typeface="+mn-cs"/>
+              </a:defRPr>
+            </a:lvl7pPr>
+            <a:lvl8pPr marL="3429000" indent="-228600" algn="l" defTabSz="914400" rtl="0" eaLnBrk="1" latinLnBrk="0" hangingPunct="1">
+              <a:spcBef>
+                <a:spcPct val="20000"/>
+              </a:spcBef>
+              <a:buFont typeface="Arial" pitchFamily="34" charset="0"/>
+              <a:buChar char="•"/>
+              <a:defRPr sz="2000" kern="1200">
+                <a:solidFill>
+                  <a:schemeClr val="tx1"/>
+                </a:solidFill>
+                <a:latin typeface="+mn-lt"/>
+                <a:ea typeface="+mn-ea"/>
+                <a:cs typeface="+mn-cs"/>
+              </a:defRPr>
+            </a:lvl8pPr>
+            <a:lvl9pPr marL="3886200" indent="-228600" algn="l" defTabSz="914400" rtl="0" eaLnBrk="1" latinLnBrk="0" hangingPunct="1">
+              <a:spcBef>
+                <a:spcPct val="20000"/>
+              </a:spcBef>
+              <a:buFont typeface="Arial" pitchFamily="34" charset="0"/>
+              <a:buChar char="•"/>
+              <a:defRPr sz="2000" kern="1200">
+                <a:solidFill>
+                  <a:schemeClr val="tx1"/>
+                </a:solidFill>
+                <a:latin typeface="+mn-lt"/>
+                <a:ea typeface="+mn-ea"/>
+                <a:cs typeface="+mn-cs"/>
+              </a:defRPr>
+            </a:lvl9pPr>
+          </a:lstStyle>
+          <a:p>
+            <a:r>
+              <a:rPr lang="zh-CN" altLang="en-US" b="1" dirty="0"/>
+              <a:t>团队专注</a:t>
+            </a:r>
+            <a:r>
+              <a:rPr lang="zh-CN" altLang="en-US" b="1" dirty="0" smtClean="0"/>
+              <a:t>于</a:t>
+            </a:r>
+            <a:endParaRPr lang="en-US" altLang="zh-CN" dirty="0" smtClean="0"/>
+          </a:p>
+          <a:p>
+            <a:pPr lvl="1"/>
+            <a:r>
+              <a:rPr lang="zh-CN" altLang="en-US" dirty="0" smtClean="0"/>
+              <a:t>识别项</a:t>
+            </a:r>
+            <a:r>
+              <a:rPr lang="zh-CN" altLang="en-US" dirty="0"/>
+              <a:t>目的商</a:t>
+            </a:r>
+            <a:r>
+              <a:rPr lang="zh-CN" altLang="en-US" dirty="0" smtClean="0"/>
+              <a:t>业问题或机会</a:t>
+            </a:r>
+            <a:r>
+              <a:rPr lang="en-US" altLang="zh-CN" dirty="0" smtClean="0"/>
+              <a:t>(</a:t>
+            </a:r>
+            <a:r>
+              <a:rPr lang="zh-CN" altLang="en-US" dirty="0" smtClean="0"/>
+              <a:t>前景</a:t>
+            </a:r>
+            <a:r>
+              <a:rPr lang="en-US" altLang="zh-CN" dirty="0" smtClean="0"/>
+              <a:t>)</a:t>
+            </a:r>
+          </a:p>
+          <a:p>
+            <a:pPr lvl="1"/>
+            <a:r>
+              <a:rPr lang="zh-CN" altLang="en-US" dirty="0" smtClean="0"/>
+              <a:t>识别所</a:t>
+            </a:r>
+            <a:r>
+              <a:rPr lang="zh-CN" altLang="en-US" dirty="0"/>
+              <a:t>需团队技</a:t>
+            </a:r>
+            <a:r>
+              <a:rPr lang="zh-CN" altLang="en-US" dirty="0" smtClean="0"/>
+              <a:t>能</a:t>
+            </a:r>
+            <a:endParaRPr lang="en-US" altLang="zh-CN" dirty="0" smtClean="0"/>
+          </a:p>
+          <a:p>
+            <a:pPr lvl="1"/>
+            <a:r>
+              <a:rPr lang="zh-CN" altLang="en-US" dirty="0"/>
+              <a:t>收集初级需</a:t>
+            </a:r>
+            <a:r>
+              <a:rPr lang="zh-CN" altLang="en-US" dirty="0" smtClean="0"/>
+              <a:t>求</a:t>
+            </a:r>
+            <a:endParaRPr lang="en-US" altLang="zh-CN" dirty="0" smtClean="0"/>
+          </a:p>
+          <a:p>
+            <a:pPr lvl="1"/>
+            <a:r>
+              <a:rPr lang="zh-CN" altLang="en-US" dirty="0"/>
+              <a:t>明确项目目标、假设、约束、成功因素、驱动因</a:t>
+            </a:r>
+            <a:r>
+              <a:rPr lang="zh-CN" altLang="en-US" dirty="0" smtClean="0"/>
+              <a:t>素</a:t>
+            </a:r>
+            <a:endParaRPr lang="en-US" altLang="zh-CN" dirty="0" smtClean="0"/>
+          </a:p>
+          <a:p>
+            <a:pPr lvl="1"/>
+            <a:endParaRPr lang="en-US" altLang="zh-CN" dirty="0" smtClean="0"/>
+          </a:p>
+          <a:p>
+            <a:pPr lvl="1"/>
+            <a:endParaRPr lang="zh-CN" altLang="en-US" dirty="0" smtClean="0"/>
+          </a:p>
+        </p:txBody>
+      </p:sp>
+    </p:spTree>
+    <p:extLst>
+      <p:ext uri="{BB962C8B-B14F-4D97-AF65-F5344CB8AC3E}">
+        <p14:creationId xmlns:p14="http://schemas.microsoft.com/office/powerpoint/2010/main" val="934205107"/>
+      </p:ext>
+    </p:extLst>
+  </p:cSld>
+  <p:clrMapOvr>
+    <a:masterClrMapping/>
+  </p:clrMapOvr>
+  <p:timing>
+    <p:tnLst>
+      <p:par>
+        <p:cTn id="1" dur="indefinite" restart="never" nodeType="tmRoot"/>
+      </p:par>
+    </p:tnLst>
+  </p:timing>
+</p:sld>
+</file>
+
+<file path=ppt/slides/slide12.xml><?xml version="1.0" encoding="utf-8"?>
+<p:sld xmlns:a="http://schemas.openxmlformats.org/drawingml/2006/main" xmlns:r="http://schemas.openxmlformats.org/officeDocument/2006/relationships" xmlns:p="http://schemas.openxmlformats.org/presentationml/2006/main">
+  <p:cSld>
+    <p:spTree>
+      <p:nvGrpSpPr>
+        <p:cNvPr id="1" name=""/>
+        <p:cNvGrpSpPr/>
+        <p:nvPr/>
+      </p:nvGrpSpPr>
+      <p:grpSpPr>
+        <a:xfrm>
+          <a:off x="0" y="0"/>
+          <a:ext cx="0" cy="0"/>
+          <a:chOff x="0" y="0"/>
+          <a:chExt cx="0" cy="0"/>
+        </a:xfrm>
+      </p:grpSpPr>
+      <p:sp>
+        <p:nvSpPr>
+          <p:cNvPr id="36866" name="标题 1"/>
+          <p:cNvSpPr>
+            <a:spLocks noGrp="1"/>
+          </p:cNvSpPr>
+          <p:nvPr>
+            <p:ph type="title"/>
+          </p:nvPr>
+        </p:nvSpPr>
+        <p:spPr/>
+        <p:txBody>
+          <a:bodyPr/>
+          <a:lstStyle/>
+          <a:p>
+            <a:r>
+              <a:rPr lang="zh-CN" altLang="en-US" dirty="0" smtClean="0"/>
+              <a:t>准备知识</a:t>
+            </a:r>
+            <a:r>
+              <a:rPr lang="en-US" altLang="zh-CN" dirty="0" smtClean="0"/>
+              <a:t>——</a:t>
+            </a:r>
+            <a:r>
+              <a:rPr lang="zh-CN" altLang="en-US" dirty="0" smtClean="0"/>
+              <a:t>项目愿景</a:t>
+            </a:r>
+          </a:p>
+        </p:txBody>
+      </p:sp>
+      <p:sp>
+        <p:nvSpPr>
+          <p:cNvPr id="36867" name="内容占位符 2"/>
+          <p:cNvSpPr>
+            <a:spLocks noGrp="1"/>
+          </p:cNvSpPr>
+          <p:nvPr>
+            <p:ph idx="1"/>
+          </p:nvPr>
+        </p:nvSpPr>
+        <p:spPr>
+          <a:xfrm>
+            <a:off x="457200" y="1196752"/>
+            <a:ext cx="8229600" cy="4929411"/>
+          </a:xfrm>
+        </p:spPr>
+        <p:txBody>
+          <a:bodyPr>
+            <a:normAutofit/>
+          </a:bodyPr>
+          <a:lstStyle/>
+          <a:p>
+            <a:r>
+              <a:rPr lang="zh-CN" altLang="en-US" b="1" dirty="0" smtClean="0">
+                <a:solidFill>
+                  <a:srgbClr val="FF0000"/>
+                </a:solidFill>
+              </a:rPr>
+              <a:t>什么是愿景？</a:t>
+            </a:r>
+            <a:endParaRPr lang="en-US" altLang="zh-CN" b="1" dirty="0" smtClean="0">
+              <a:solidFill>
+                <a:srgbClr val="FF0000"/>
+              </a:solidFill>
+            </a:endParaRPr>
+          </a:p>
+          <a:p>
+            <a:pPr lvl="1"/>
+            <a:r>
+              <a:rPr lang="zh-CN" altLang="en-US" dirty="0" smtClean="0"/>
+              <a:t>愿景</a:t>
+            </a:r>
+            <a:r>
+              <a:rPr lang="en-US" altLang="zh-CN" dirty="0" smtClean="0"/>
+              <a:t>[Vision]</a:t>
+            </a:r>
+            <a:r>
+              <a:rPr lang="zh-CN" altLang="en-US" dirty="0" smtClean="0"/>
+              <a:t>：</a:t>
+            </a:r>
+            <a:r>
+              <a:rPr lang="zh-CN" altLang="en-US" dirty="0" smtClean="0">
+                <a:solidFill>
+                  <a:srgbClr val="FF0000"/>
+                </a:solidFill>
+              </a:rPr>
+              <a:t>所向往的前景</a:t>
+            </a:r>
+            <a:r>
+              <a:rPr lang="zh-CN" altLang="en-US" dirty="0" smtClean="0"/>
+              <a:t>。</a:t>
+            </a:r>
+            <a:r>
+              <a:rPr lang="en-US" altLang="zh-CN" dirty="0" smtClean="0"/>
+              <a:t/>
+            </a:r>
+            <a:br>
+              <a:rPr lang="en-US" altLang="zh-CN" dirty="0" smtClean="0"/>
+            </a:br>
+            <a:r>
+              <a:rPr lang="en-US" altLang="zh-CN" dirty="0" smtClean="0"/>
+              <a:t>			</a:t>
+            </a:r>
+            <a:r>
+              <a:rPr lang="en-US" altLang="zh-CN" sz="1600" dirty="0" smtClean="0"/>
+              <a:t>--</a:t>
+            </a:r>
+            <a:r>
+              <a:rPr lang="zh-CN" altLang="en-US" sz="1600" dirty="0" smtClean="0"/>
+              <a:t>摘自：</a:t>
+            </a:r>
+            <a:r>
+              <a:rPr lang="en-US" altLang="zh-CN" sz="1600" dirty="0" smtClean="0"/>
+              <a:t>《</a:t>
+            </a:r>
+            <a:r>
+              <a:rPr lang="zh-CN" altLang="en-US" sz="1600" dirty="0" smtClean="0"/>
+              <a:t>现代汉语大词典</a:t>
+            </a:r>
+            <a:r>
+              <a:rPr lang="en-US" altLang="zh-CN" sz="1600" dirty="0" smtClean="0"/>
+              <a:t>》</a:t>
+            </a:r>
+            <a:r>
+              <a:rPr lang="zh-CN" altLang="en-US" sz="1600" dirty="0" smtClean="0"/>
+              <a:t>（第</a:t>
+            </a:r>
+            <a:r>
+              <a:rPr lang="en-US" altLang="zh-CN" sz="1600" dirty="0" smtClean="0"/>
+              <a:t>5</a:t>
+            </a:r>
+            <a:r>
+              <a:rPr lang="zh-CN" altLang="en-US" sz="1600" dirty="0" smtClean="0"/>
+              <a:t>版）</a:t>
+            </a:r>
+            <a:endParaRPr lang="en-US" altLang="zh-CN" dirty="0" smtClean="0"/>
+          </a:p>
+          <a:p>
+            <a:pPr lvl="1"/>
+            <a:r>
+              <a:rPr lang="zh-CN" altLang="en-US" dirty="0" smtClean="0"/>
+              <a:t>愿景</a:t>
+            </a:r>
+            <a:r>
+              <a:rPr lang="zh-CN" altLang="en-US" dirty="0" smtClean="0">
+                <a:solidFill>
+                  <a:srgbClr val="FF0000"/>
+                </a:solidFill>
+              </a:rPr>
+              <a:t>是人们永远为之奋斗希望达到的图景。</a:t>
+            </a:r>
+            <a:endParaRPr lang="en-US" altLang="zh-CN" dirty="0" smtClean="0">
+              <a:solidFill>
+                <a:srgbClr val="FF0000"/>
+              </a:solidFill>
+            </a:endParaRPr>
+          </a:p>
+          <a:p>
+            <a:pPr lvl="1"/>
+            <a:r>
+              <a:rPr lang="zh-CN" altLang="en-US" dirty="0" smtClean="0"/>
+              <a:t>没有阶级、没有压迫、没有贫穷、没有失业、人人幸福的共产主义社会其实就是全世界共产党人的共同愿景。</a:t>
+            </a:r>
+            <a:endParaRPr lang="en-US" altLang="zh-CN" dirty="0" smtClean="0"/>
+          </a:p>
+          <a:p>
+            <a:pPr>
+              <a:buFont typeface="Wingdings" pitchFamily="2" charset="2"/>
+              <a:buNone/>
+            </a:pPr>
+            <a:endParaRPr lang="zh-CN" altLang="en-US" dirty="0" smtClean="0"/>
+          </a:p>
+        </p:txBody>
+      </p:sp>
+      <p:pic>
+        <p:nvPicPr>
+          <p:cNvPr id="4" name="Picture 2"/>
+          <p:cNvPicPr>
+            <a:picLocks noChangeAspect="1" noChangeArrowheads="1"/>
+          </p:cNvPicPr>
+          <p:nvPr/>
+        </p:nvPicPr>
+        <p:blipFill>
+          <a:blip r:embed="rId2" cstate="print">
+            <a:extLst>
+              <a:ext uri="{28A0092B-C50C-407E-A947-70E740481C1C}">
+                <a14:useLocalDpi xmlns:a14="http://schemas.microsoft.com/office/drawing/2010/main" val="0"/>
+              </a:ext>
+            </a:extLst>
+          </a:blip>
+          <a:srcRect/>
+          <a:stretch>
+            <a:fillRect/>
+          </a:stretch>
+        </p:blipFill>
+        <p:spPr bwMode="auto">
+          <a:xfrm>
+            <a:off x="8115537" y="361684"/>
+            <a:ext cx="1035193" cy="648072"/>
+          </a:xfrm>
+          <a:prstGeom prst="rect">
+            <a:avLst/>
+          </a:prstGeom>
+          <a:noFill/>
+          <a:ln>
+            <a:noFill/>
+          </a:ln>
+          <a:effectLst/>
+          <a:extLst>
+            <a:ext uri="{909E8E84-426E-40DD-AFC4-6F175D3DCCD1}">
+              <a14:hiddenFill xmlns:a14="http://schemas.microsoft.com/office/drawing/2010/main">
+                <a:solidFill>
+                  <a:schemeClr val="accent1"/>
+                </a:solidFill>
+              </a14:hiddenFill>
+            </a:ext>
+            <a:ext uri="{91240B29-F687-4F45-9708-019B960494DF}">
+              <a14:hiddenLine xmlns:a14="http://schemas.microsoft.com/office/drawing/2010/main" w="9525">
+                <a:solidFill>
+                  <a:schemeClr val="tx1"/>
+                </a:solidFill>
+                <a:miter lim="800000"/>
+                <a:headEnd/>
+                <a:tailEnd/>
+              </a14:hiddenLine>
+            </a:ext>
+            <a:ext uri="{AF507438-7753-43E0-B8FC-AC1667EBCBE1}">
+              <a14:hiddenEffects xmlns:a14="http://schemas.microsoft.com/office/drawing/2010/main">
+                <a:effectLst>
+                  <a:outerShdw dist="35921" dir="2700000" algn="ctr" rotWithShape="0">
+                    <a:schemeClr val="bg2"/>
+                  </a:outerShdw>
+                </a:effectLst>
+              </a14:hiddenEffects>
+            </a:ext>
+          </a:extLst>
+        </p:spPr>
+      </p:pic>
+    </p:spTree>
+    <p:extLst>
+      <p:ext uri="{BB962C8B-B14F-4D97-AF65-F5344CB8AC3E}">
+        <p14:creationId xmlns:p14="http://schemas.microsoft.com/office/powerpoint/2010/main" val="1494200792"/>
+      </p:ext>
+    </p:extLst>
+  </p:cSld>
+  <p:clrMapOvr>
+    <a:masterClrMapping/>
+  </p:clrMapOvr>
+  <p:timing>
+    <p:tnLst>
+      <p:par>
+        <p:cTn id="1" dur="indefinite" restart="never" nodeType="tmRoot"/>
+      </p:par>
+    </p:tnLst>
+  </p:timing>
+</p:sld>
+</file>
+
+<file path=ppt/slides/slide13.xml><?xml version="1.0" encoding="utf-8"?>
 <p:sld xmlns:a="http://schemas.openxmlformats.org/drawingml/2006/main" xmlns:r="http://schemas.openxmlformats.org/officeDocument/2006/relationships" xmlns:p="http://schemas.openxmlformats.org/presentationml/2006/main">
   <p:cSld>
     <p:spTree>
@@ -7187,6 +8289,70 @@
           </a:extLst>
         </p:spPr>
       </p:pic>
+      <p:pic>
+        <p:nvPicPr>
+          <p:cNvPr id="45" name="Picture 2"/>
+          <p:cNvPicPr>
+            <a:picLocks noChangeAspect="1" noChangeArrowheads="1"/>
+          </p:cNvPicPr>
+          <p:nvPr/>
+        </p:nvPicPr>
+        <p:blipFill>
+          <a:blip r:embed="rId6" cstate="print">
+            <a:extLst>
+              <a:ext uri="{28A0092B-C50C-407E-A947-70E740481C1C}">
+                <a14:useLocalDpi xmlns:a14="http://schemas.microsoft.com/office/drawing/2010/main" val="0"/>
+              </a:ext>
+            </a:extLst>
+          </a:blip>
+          <a:srcRect/>
+          <a:stretch>
+            <a:fillRect/>
+          </a:stretch>
+        </p:blipFill>
+        <p:spPr bwMode="auto">
+          <a:xfrm>
+            <a:off x="8115537" y="361684"/>
+            <a:ext cx="1035193" cy="648072"/>
+          </a:xfrm>
+          <a:prstGeom prst="rect">
+            <a:avLst/>
+          </a:prstGeom>
+          <a:noFill/>
+          <a:ln>
+            <a:noFill/>
+          </a:ln>
+          <a:effectLst/>
+          <a:extLst>
+            <a:ext uri="{909E8E84-426E-40DD-AFC4-6F175D3DCCD1}">
+              <a14:hiddenFill xmlns:a14="http://schemas.microsoft.com/office/drawing/2010/main">
+                <a:solidFill>
+                  <a:schemeClr val="accent1"/>
+                </a:solidFill>
+              </a14:hiddenFill>
+            </a:ext>
+            <a:ext uri="{91240B29-F687-4F45-9708-019B960494DF}">
+              <a14:hiddenLine xmlns:a14="http://schemas.microsoft.com/office/drawing/2010/main" w="9525">
+                <a:solidFill>
+                  <a:schemeClr val="tx1"/>
+                </a:solidFill>
+                <a:miter lim="800000"/>
+                <a:headEnd/>
+                <a:tailEnd/>
+              </a14:hiddenLine>
+            </a:ext>
+            <a:ext uri="{AF507438-7753-43E0-B8FC-AC1667EBCBE1}">
+              <a14:hiddenEffects xmlns:a14="http://schemas.microsoft.com/office/drawing/2010/main">
+                <a:effectLst>
+                  <a:outerShdw dist="35921" dir="2700000" algn="ctr" rotWithShape="0">
+                    <a:schemeClr val="bg2"/>
+                  </a:outerShdw>
+                </a:effectLst>
+              </a14:hiddenEffects>
+            </a:ext>
+          </a:extLst>
+        </p:spPr>
+      </p:pic>
     </p:spTree>
     <p:extLst>
       <p:ext uri="{BB962C8B-B14F-4D97-AF65-F5344CB8AC3E}">
@@ -7207,7 +8373,7 @@
 </p:sld>
 </file>
 
-<file path=ppt/slides/slide11.xml><?xml version="1.0" encoding="utf-8"?>
+<file path=ppt/slides/slide14.xml><?xml version="1.0" encoding="utf-8"?>
 <p:sld xmlns:a="http://schemas.openxmlformats.org/drawingml/2006/main" xmlns:r="http://schemas.openxmlformats.org/officeDocument/2006/relationships" xmlns:p="http://schemas.openxmlformats.org/presentationml/2006/main">
   <p:cSld>
     <p:spTree>
@@ -8545,6 +9711,70 @@
           </a:p>
         </p:txBody>
       </p:sp>
+      <p:pic>
+        <p:nvPicPr>
+          <p:cNvPr id="15" name="Picture 2"/>
+          <p:cNvPicPr>
+            <a:picLocks noChangeAspect="1" noChangeArrowheads="1"/>
+          </p:cNvPicPr>
+          <p:nvPr/>
+        </p:nvPicPr>
+        <p:blipFill>
+          <a:blip r:embed="rId3" cstate="print">
+            <a:extLst>
+              <a:ext uri="{28A0092B-C50C-407E-A947-70E740481C1C}">
+                <a14:useLocalDpi xmlns:a14="http://schemas.microsoft.com/office/drawing/2010/main" val="0"/>
+              </a:ext>
+            </a:extLst>
+          </a:blip>
+          <a:srcRect/>
+          <a:stretch>
+            <a:fillRect/>
+          </a:stretch>
+        </p:blipFill>
+        <p:spPr bwMode="auto">
+          <a:xfrm>
+            <a:off x="8115537" y="361684"/>
+            <a:ext cx="1035193" cy="648072"/>
+          </a:xfrm>
+          <a:prstGeom prst="rect">
+            <a:avLst/>
+          </a:prstGeom>
+          <a:noFill/>
+          <a:ln>
+            <a:noFill/>
+          </a:ln>
+          <a:effectLst/>
+          <a:extLst>
+            <a:ext uri="{909E8E84-426E-40DD-AFC4-6F175D3DCCD1}">
+              <a14:hiddenFill xmlns:a14="http://schemas.microsoft.com/office/drawing/2010/main">
+                <a:solidFill>
+                  <a:schemeClr val="accent1"/>
+                </a:solidFill>
+              </a14:hiddenFill>
+            </a:ext>
+            <a:ext uri="{91240B29-F687-4F45-9708-019B960494DF}">
+              <a14:hiddenLine xmlns:a14="http://schemas.microsoft.com/office/drawing/2010/main" w="9525">
+                <a:solidFill>
+                  <a:schemeClr val="tx1"/>
+                </a:solidFill>
+                <a:miter lim="800000"/>
+                <a:headEnd/>
+                <a:tailEnd/>
+              </a14:hiddenLine>
+            </a:ext>
+            <a:ext uri="{AF507438-7753-43E0-B8FC-AC1667EBCBE1}">
+              <a14:hiddenEffects xmlns:a14="http://schemas.microsoft.com/office/drawing/2010/main">
+                <a:effectLst>
+                  <a:outerShdw dist="35921" dir="2700000" algn="ctr" rotWithShape="0">
+                    <a:schemeClr val="bg2"/>
+                  </a:outerShdw>
+                </a:effectLst>
+              </a14:hiddenEffects>
+            </a:ext>
+          </a:extLst>
+        </p:spPr>
+      </p:pic>
     </p:spTree>
     <p:extLst>
       <p:ext uri="{BB962C8B-B14F-4D97-AF65-F5344CB8AC3E}">
@@ -8736,7 +9966,7 @@
 </p:sld>
 </file>
 
-<file path=ppt/slides/slide12.xml><?xml version="1.0" encoding="utf-8"?>
+<file path=ppt/slides/slide15.xml><?xml version="1.0" encoding="utf-8"?>
 <p:sld xmlns:a="http://schemas.openxmlformats.org/drawingml/2006/main" xmlns:r="http://schemas.openxmlformats.org/officeDocument/2006/relationships" xmlns:p="http://schemas.openxmlformats.org/presentationml/2006/main">
   <p:cSld>
     <p:spTree>
@@ -9805,6 +11035,70 @@
           </a:p>
         </p:txBody>
       </p:sp>
+      <p:pic>
+        <p:nvPicPr>
+          <p:cNvPr id="16" name="Picture 2"/>
+          <p:cNvPicPr>
+            <a:picLocks noChangeAspect="1" noChangeArrowheads="1"/>
+          </p:cNvPicPr>
+          <p:nvPr/>
+        </p:nvPicPr>
+        <p:blipFill>
+          <a:blip r:embed="rId5" cstate="print">
+            <a:extLst>
+              <a:ext uri="{28A0092B-C50C-407E-A947-70E740481C1C}">
+                <a14:useLocalDpi xmlns:a14="http://schemas.microsoft.com/office/drawing/2010/main" val="0"/>
+              </a:ext>
+            </a:extLst>
+          </a:blip>
+          <a:srcRect/>
+          <a:stretch>
+            <a:fillRect/>
+          </a:stretch>
+        </p:blipFill>
+        <p:spPr bwMode="auto">
+          <a:xfrm>
+            <a:off x="8115537" y="361684"/>
+            <a:ext cx="1035193" cy="648072"/>
+          </a:xfrm>
+          <a:prstGeom prst="rect">
+            <a:avLst/>
+          </a:prstGeom>
+          <a:noFill/>
+          <a:ln>
+            <a:noFill/>
+          </a:ln>
+          <a:effectLst/>
+          <a:extLst>
+            <a:ext uri="{909E8E84-426E-40DD-AFC4-6F175D3DCCD1}">
+              <a14:hiddenFill xmlns:a14="http://schemas.microsoft.com/office/drawing/2010/main">
+                <a:solidFill>
+                  <a:schemeClr val="accent1"/>
+                </a:solidFill>
+              </a14:hiddenFill>
+            </a:ext>
+            <a:ext uri="{91240B29-F687-4F45-9708-019B960494DF}">
+              <a14:hiddenLine xmlns:a14="http://schemas.microsoft.com/office/drawing/2010/main" w="9525">
+                <a:solidFill>
+                  <a:schemeClr val="tx1"/>
+                </a:solidFill>
+                <a:miter lim="800000"/>
+                <a:headEnd/>
+                <a:tailEnd/>
+              </a14:hiddenLine>
+            </a:ext>
+            <a:ext uri="{AF507438-7753-43E0-B8FC-AC1667EBCBE1}">
+              <a14:hiddenEffects xmlns:a14="http://schemas.microsoft.com/office/drawing/2010/main">
+                <a:effectLst>
+                  <a:outerShdw dist="35921" dir="2700000" algn="ctr" rotWithShape="0">
+                    <a:schemeClr val="bg2"/>
+                  </a:outerShdw>
+                </a:effectLst>
+              </a14:hiddenEffects>
+            </a:ext>
+          </a:extLst>
+        </p:spPr>
+      </p:pic>
     </p:spTree>
     <p:extLst>
       <p:ext uri="{BB962C8B-B14F-4D97-AF65-F5344CB8AC3E}">
@@ -9825,7 +11119,7 @@
 </p:sld>
 </file>
 
-<file path=ppt/slides/slide13.xml><?xml version="1.0" encoding="utf-8"?>
+<file path=ppt/slides/slide16.xml><?xml version="1.0" encoding="utf-8"?>
 <p:sld xmlns:a="http://schemas.openxmlformats.org/drawingml/2006/main" xmlns:r="http://schemas.openxmlformats.org/officeDocument/2006/relationships" xmlns:p="http://schemas.openxmlformats.org/presentationml/2006/main">
   <p:cSld>
     <p:spTree>
@@ -10590,6 +11884,70 @@
           </p:style>
         </p:cxnSp>
       </p:grpSp>
+      <p:pic>
+        <p:nvPicPr>
+          <p:cNvPr id="16" name="Picture 2"/>
+          <p:cNvPicPr>
+            <a:picLocks noChangeAspect="1" noChangeArrowheads="1"/>
+          </p:cNvPicPr>
+          <p:nvPr/>
+        </p:nvPicPr>
+        <p:blipFill>
+          <a:blip r:embed="rId2" cstate="print">
+            <a:extLst>
+              <a:ext uri="{28A0092B-C50C-407E-A947-70E740481C1C}">
+                <a14:useLocalDpi xmlns:a14="http://schemas.microsoft.com/office/drawing/2010/main" val="0"/>
+              </a:ext>
+            </a:extLst>
+          </a:blip>
+          <a:srcRect/>
+          <a:stretch>
+            <a:fillRect/>
+          </a:stretch>
+        </p:blipFill>
+        <p:spPr bwMode="auto">
+          <a:xfrm>
+            <a:off x="8115537" y="361684"/>
+            <a:ext cx="1035193" cy="648072"/>
+          </a:xfrm>
+          <a:prstGeom prst="rect">
+            <a:avLst/>
+          </a:prstGeom>
+          <a:noFill/>
+          <a:ln>
+            <a:noFill/>
+          </a:ln>
+          <a:effectLst/>
+          <a:extLst>
+            <a:ext uri="{909E8E84-426E-40DD-AFC4-6F175D3DCCD1}">
+              <a14:hiddenFill xmlns:a14="http://schemas.microsoft.com/office/drawing/2010/main">
+                <a:solidFill>
+                  <a:schemeClr val="accent1"/>
+                </a:solidFill>
+              </a14:hiddenFill>
+            </a:ext>
+            <a:ext uri="{91240B29-F687-4F45-9708-019B960494DF}">
+              <a14:hiddenLine xmlns:a14="http://schemas.microsoft.com/office/drawing/2010/main" w="9525">
+                <a:solidFill>
+                  <a:schemeClr val="tx1"/>
+                </a:solidFill>
+                <a:miter lim="800000"/>
+                <a:headEnd/>
+                <a:tailEnd/>
+              </a14:hiddenLine>
+            </a:ext>
+            <a:ext uri="{AF507438-7753-43E0-B8FC-AC1667EBCBE1}">
+              <a14:hiddenEffects xmlns:a14="http://schemas.microsoft.com/office/drawing/2010/main">
+                <a:effectLst>
+                  <a:outerShdw dist="35921" dir="2700000" algn="ctr" rotWithShape="0">
+                    <a:schemeClr val="bg2"/>
+                  </a:outerShdw>
+                </a:effectLst>
+              </a14:hiddenEffects>
+            </a:ext>
+          </a:extLst>
+        </p:spPr>
+      </p:pic>
     </p:spTree>
     <p:extLst>
       <p:ext uri="{BB962C8B-B14F-4D97-AF65-F5344CB8AC3E}">
@@ -10686,7 +12044,7 @@
 </p:sld>
 </file>
 
-<file path=ppt/slides/slide14.xml><?xml version="1.0" encoding="utf-8"?>
+<file path=ppt/slides/slide17.xml><?xml version="1.0" encoding="utf-8"?>
 <p:sld xmlns:a="http://schemas.openxmlformats.org/drawingml/2006/main" xmlns:r="http://schemas.openxmlformats.org/officeDocument/2006/relationships" xmlns:p="http://schemas.openxmlformats.org/presentationml/2006/main">
   <p:cSld>
     <p:spTree>
@@ -11016,6 +12374,70 @@
           </a:graphicData>
         </a:graphic>
       </p:graphicFrame>
+      <p:pic>
+        <p:nvPicPr>
+          <p:cNvPr id="5" name="Picture 2"/>
+          <p:cNvPicPr>
+            <a:picLocks noChangeAspect="1" noChangeArrowheads="1"/>
+          </p:cNvPicPr>
+          <p:nvPr/>
+        </p:nvPicPr>
+        <p:blipFill>
+          <a:blip r:embed="rId2" cstate="print">
+            <a:extLst>
+              <a:ext uri="{28A0092B-C50C-407E-A947-70E740481C1C}">
+                <a14:useLocalDpi xmlns:a14="http://schemas.microsoft.com/office/drawing/2010/main" val="0"/>
+              </a:ext>
+            </a:extLst>
+          </a:blip>
+          <a:srcRect/>
+          <a:stretch>
+            <a:fillRect/>
+          </a:stretch>
+        </p:blipFill>
+        <p:spPr bwMode="auto">
+          <a:xfrm>
+            <a:off x="8115537" y="361684"/>
+            <a:ext cx="1035193" cy="648072"/>
+          </a:xfrm>
+          <a:prstGeom prst="rect">
+            <a:avLst/>
+          </a:prstGeom>
+          <a:noFill/>
+          <a:ln>
+            <a:noFill/>
+          </a:ln>
+          <a:effectLst/>
+          <a:extLst>
+            <a:ext uri="{909E8E84-426E-40DD-AFC4-6F175D3DCCD1}">
+              <a14:hiddenFill xmlns:a14="http://schemas.microsoft.com/office/drawing/2010/main">
+                <a:solidFill>
+                  <a:schemeClr val="accent1"/>
+                </a:solidFill>
+              </a14:hiddenFill>
+            </a:ext>
+            <a:ext uri="{91240B29-F687-4F45-9708-019B960494DF}">
+              <a14:hiddenLine xmlns:a14="http://schemas.microsoft.com/office/drawing/2010/main" w="9525">
+                <a:solidFill>
+                  <a:schemeClr val="tx1"/>
+                </a:solidFill>
+                <a:miter lim="800000"/>
+                <a:headEnd/>
+                <a:tailEnd/>
+              </a14:hiddenLine>
+            </a:ext>
+            <a:ext uri="{AF507438-7753-43E0-B8FC-AC1667EBCBE1}">
+              <a14:hiddenEffects xmlns:a14="http://schemas.microsoft.com/office/drawing/2010/main">
+                <a:effectLst>
+                  <a:outerShdw dist="35921" dir="2700000" algn="ctr" rotWithShape="0">
+                    <a:schemeClr val="bg2"/>
+                  </a:outerShdw>
+                </a:effectLst>
+              </a14:hiddenEffects>
+            </a:ext>
+          </a:extLst>
+        </p:spPr>
+      </p:pic>
     </p:spTree>
     <p:extLst>
       <p:ext uri="{BB962C8B-B14F-4D97-AF65-F5344CB8AC3E}">
@@ -11158,7 +12580,7 @@
 </p:sld>
 </file>
 
-<file path=ppt/slides/slide15.xml><?xml version="1.0" encoding="utf-8"?>
+<file path=ppt/slides/slide18.xml><?xml version="1.0" encoding="utf-8"?>
 <p:sld xmlns:a="http://schemas.openxmlformats.org/drawingml/2006/main" xmlns:r="http://schemas.openxmlformats.org/officeDocument/2006/relationships" xmlns:p="http://schemas.openxmlformats.org/presentationml/2006/main">
   <p:cSld>
     <p:spTree>
@@ -13470,6 +14892,70 @@
           </a:p>
         </p:txBody>
       </p:sp>
+      <p:pic>
+        <p:nvPicPr>
+          <p:cNvPr id="35" name="Picture 2"/>
+          <p:cNvPicPr>
+            <a:picLocks noChangeAspect="1" noChangeArrowheads="1"/>
+          </p:cNvPicPr>
+          <p:nvPr/>
+        </p:nvPicPr>
+        <p:blipFill>
+          <a:blip r:embed="rId5" cstate="print">
+            <a:extLst>
+              <a:ext uri="{28A0092B-C50C-407E-A947-70E740481C1C}">
+                <a14:useLocalDpi xmlns:a14="http://schemas.microsoft.com/office/drawing/2010/main" val="0"/>
+              </a:ext>
+            </a:extLst>
+          </a:blip>
+          <a:srcRect/>
+          <a:stretch>
+            <a:fillRect/>
+          </a:stretch>
+        </p:blipFill>
+        <p:spPr bwMode="auto">
+          <a:xfrm>
+            <a:off x="8115537" y="361684"/>
+            <a:ext cx="1035193" cy="648072"/>
+          </a:xfrm>
+          <a:prstGeom prst="rect">
+            <a:avLst/>
+          </a:prstGeom>
+          <a:noFill/>
+          <a:ln>
+            <a:noFill/>
+          </a:ln>
+          <a:effectLst/>
+          <a:extLst>
+            <a:ext uri="{909E8E84-426E-40DD-AFC4-6F175D3DCCD1}">
+              <a14:hiddenFill xmlns:a14="http://schemas.microsoft.com/office/drawing/2010/main">
+                <a:solidFill>
+                  <a:schemeClr val="accent1"/>
+                </a:solidFill>
+              </a14:hiddenFill>
+            </a:ext>
+            <a:ext uri="{91240B29-F687-4F45-9708-019B960494DF}">
+              <a14:hiddenLine xmlns:a14="http://schemas.microsoft.com/office/drawing/2010/main" w="9525">
+                <a:solidFill>
+                  <a:schemeClr val="tx1"/>
+                </a:solidFill>
+                <a:miter lim="800000"/>
+                <a:headEnd/>
+                <a:tailEnd/>
+              </a14:hiddenLine>
+            </a:ext>
+            <a:ext uri="{AF507438-7753-43E0-B8FC-AC1667EBCBE1}">
+              <a14:hiddenEffects xmlns:a14="http://schemas.microsoft.com/office/drawing/2010/main">
+                <a:effectLst>
+                  <a:outerShdw dist="35921" dir="2700000" algn="ctr" rotWithShape="0">
+                    <a:schemeClr val="bg2"/>
+                  </a:outerShdw>
+                </a:effectLst>
+              </a14:hiddenEffects>
+            </a:ext>
+          </a:extLst>
+        </p:spPr>
+      </p:pic>
     </p:spTree>
     <p:extLst>
       <p:ext uri="{BB962C8B-B14F-4D97-AF65-F5344CB8AC3E}">
@@ -13498,7 +14984,7 @@
 </p:sld>
 </file>
 
-<file path=ppt/slides/slide16.xml><?xml version="1.0" encoding="utf-8"?>
+<file path=ppt/slides/slide19.xml><?xml version="1.0" encoding="utf-8"?>
 <p:sld xmlns:a="http://schemas.openxmlformats.org/drawingml/2006/main" xmlns:r="http://schemas.openxmlformats.org/officeDocument/2006/relationships" xmlns:p="http://schemas.openxmlformats.org/presentationml/2006/main">
   <p:cSld>
     <p:spTree>
@@ -13627,6 +15113,70 @@
           <a:xfrm>
             <a:off x="972231" y="2505099"/>
             <a:ext cx="7267575" cy="1990725"/>
+          </a:xfrm>
+          <a:prstGeom prst="rect">
+            <a:avLst/>
+          </a:prstGeom>
+          <a:noFill/>
+          <a:ln>
+            <a:noFill/>
+          </a:ln>
+          <a:effectLst/>
+          <a:extLst>
+            <a:ext uri="{909E8E84-426E-40DD-AFC4-6F175D3DCCD1}">
+              <a14:hiddenFill xmlns:a14="http://schemas.microsoft.com/office/drawing/2010/main">
+                <a:solidFill>
+                  <a:schemeClr val="accent1"/>
+                </a:solidFill>
+              </a14:hiddenFill>
+            </a:ext>
+            <a:ext uri="{91240B29-F687-4F45-9708-019B960494DF}">
+              <a14:hiddenLine xmlns:a14="http://schemas.microsoft.com/office/drawing/2010/main" w="9525">
+                <a:solidFill>
+                  <a:schemeClr val="tx1"/>
+                </a:solidFill>
+                <a:miter lim="800000"/>
+                <a:headEnd/>
+                <a:tailEnd/>
+              </a14:hiddenLine>
+            </a:ext>
+            <a:ext uri="{AF507438-7753-43E0-B8FC-AC1667EBCBE1}">
+              <a14:hiddenEffects xmlns:a14="http://schemas.microsoft.com/office/drawing/2010/main">
+                <a:effectLst>
+                  <a:outerShdw dist="35921" dir="2700000" algn="ctr" rotWithShape="0">
+                    <a:schemeClr val="bg2"/>
+                  </a:outerShdw>
+                </a:effectLst>
+              </a14:hiddenEffects>
+            </a:ext>
+          </a:extLst>
+        </p:spPr>
+      </p:pic>
+      <p:pic>
+        <p:nvPicPr>
+          <p:cNvPr id="5" name="Picture 2"/>
+          <p:cNvPicPr>
+            <a:picLocks noChangeAspect="1" noChangeArrowheads="1"/>
+          </p:cNvPicPr>
+          <p:nvPr/>
+        </p:nvPicPr>
+        <p:blipFill>
+          <a:blip r:embed="rId4" cstate="print">
+            <a:extLst>
+              <a:ext uri="{28A0092B-C50C-407E-A947-70E740481C1C}">
+                <a14:useLocalDpi xmlns:a14="http://schemas.microsoft.com/office/drawing/2010/main" val="0"/>
+              </a:ext>
+            </a:extLst>
+          </a:blip>
+          <a:srcRect/>
+          <a:stretch>
+            <a:fillRect/>
+          </a:stretch>
+        </p:blipFill>
+        <p:spPr bwMode="auto">
+          <a:xfrm>
+            <a:off x="8115537" y="361684"/>
+            <a:ext cx="1035193" cy="648072"/>
           </a:xfrm>
           <a:prstGeom prst="rect">
             <a:avLst/>
@@ -13799,447 +15349,6 @@
 </p:sld>
 </file>
 
-<file path=ppt/slides/slide17.xml><?xml version="1.0" encoding="utf-8"?>
-<p:sld xmlns:a="http://schemas.openxmlformats.org/drawingml/2006/main" xmlns:r="http://schemas.openxmlformats.org/officeDocument/2006/relationships" xmlns:p="http://schemas.openxmlformats.org/presentationml/2006/main">
-  <p:cSld>
-    <p:spTree>
-      <p:nvGrpSpPr>
-        <p:cNvPr id="1" name=""/>
-        <p:cNvGrpSpPr/>
-        <p:nvPr/>
-      </p:nvGrpSpPr>
-      <p:grpSpPr>
-        <a:xfrm>
-          <a:off x="0" y="0"/>
-          <a:ext cx="0" cy="0"/>
-          <a:chOff x="0" y="0"/>
-          <a:chExt cx="0" cy="0"/>
-        </a:xfrm>
-      </p:grpSpPr>
-      <p:sp>
-        <p:nvSpPr>
-          <p:cNvPr id="2" name="标题 1"/>
-          <p:cNvSpPr>
-            <a:spLocks noGrp="1"/>
-          </p:cNvSpPr>
-          <p:nvPr>
-            <p:ph type="title"/>
-          </p:nvPr>
-        </p:nvSpPr>
-        <p:spPr/>
-        <p:txBody>
-          <a:bodyPr/>
-          <a:lstStyle/>
-          <a:p>
-            <a:r>
-              <a:rPr lang="zh-CN" altLang="en-US" dirty="0" smtClean="0"/>
-              <a:t>项目章程内容</a:t>
-            </a:r>
-            <a:endParaRPr lang="zh-CN" altLang="en-US" dirty="0"/>
-          </a:p>
-        </p:txBody>
-      </p:sp>
-      <p:sp>
-        <p:nvSpPr>
-          <p:cNvPr id="3" name="内容占位符 2"/>
-          <p:cNvSpPr>
-            <a:spLocks noGrp="1"/>
-          </p:cNvSpPr>
-          <p:nvPr>
-            <p:ph idx="1"/>
-          </p:nvPr>
-        </p:nvSpPr>
-        <p:spPr/>
-        <p:txBody>
-          <a:bodyPr>
-            <a:normAutofit fontScale="55000" lnSpcReduction="20000"/>
-          </a:bodyPr>
-          <a:lstStyle/>
-          <a:p>
-            <a:r>
-              <a:rPr lang="zh-CN" altLang="en-US" dirty="0" smtClean="0"/>
-              <a:t>项目远景</a:t>
-            </a:r>
-            <a:endParaRPr lang="en-US" altLang="zh-CN" dirty="0" smtClean="0"/>
-          </a:p>
-          <a:p>
-            <a:r>
-              <a:rPr lang="zh-CN" altLang="en-US" dirty="0"/>
-              <a:t>项目目</a:t>
-            </a:r>
-            <a:r>
-              <a:rPr lang="zh-CN" altLang="en-US" dirty="0" smtClean="0"/>
-              <a:t>标</a:t>
-            </a:r>
-            <a:endParaRPr lang="en-US" altLang="zh-CN" dirty="0" smtClean="0"/>
-          </a:p>
-          <a:p>
-            <a:pPr lvl="1"/>
-            <a:r>
-              <a:rPr lang="zh-CN" altLang="en-US" dirty="0"/>
-              <a:t>产品、项目、团</a:t>
-            </a:r>
-            <a:r>
-              <a:rPr lang="zh-CN" altLang="en-US" dirty="0" smtClean="0"/>
-              <a:t>队</a:t>
-            </a:r>
-            <a:endParaRPr lang="en-US" altLang="zh-CN" dirty="0" smtClean="0"/>
-          </a:p>
-          <a:p>
-            <a:r>
-              <a:rPr lang="zh-CN" altLang="en-US" dirty="0"/>
-              <a:t>发起</a:t>
-            </a:r>
-            <a:r>
-              <a:rPr lang="zh-CN" altLang="en-US" dirty="0" smtClean="0"/>
-              <a:t>人</a:t>
-            </a:r>
-            <a:endParaRPr lang="en-US" altLang="zh-CN" dirty="0" smtClean="0"/>
-          </a:p>
-          <a:p>
-            <a:r>
-              <a:rPr lang="zh-CN" altLang="en-US" dirty="0"/>
-              <a:t>项目经</a:t>
-            </a:r>
-            <a:r>
-              <a:rPr lang="zh-CN" altLang="en-US" dirty="0" smtClean="0"/>
-              <a:t>理</a:t>
-            </a:r>
-            <a:endParaRPr lang="en-US" altLang="zh-CN" dirty="0" smtClean="0"/>
-          </a:p>
-          <a:p>
-            <a:r>
-              <a:rPr lang="zh-CN" altLang="en-US" dirty="0"/>
-              <a:t>商业机</a:t>
-            </a:r>
-            <a:r>
-              <a:rPr lang="zh-CN" altLang="en-US" dirty="0" smtClean="0"/>
-              <a:t>会</a:t>
-            </a:r>
-            <a:endParaRPr lang="en-US" altLang="zh-CN" dirty="0" smtClean="0"/>
-          </a:p>
-          <a:p>
-            <a:r>
-              <a:rPr lang="zh-CN" altLang="en-US" dirty="0"/>
-              <a:t>产品需</a:t>
-            </a:r>
-            <a:r>
-              <a:rPr lang="zh-CN" altLang="en-US" dirty="0" smtClean="0"/>
-              <a:t>求</a:t>
-            </a:r>
-            <a:endParaRPr lang="en-US" altLang="zh-CN" dirty="0" smtClean="0"/>
-          </a:p>
-          <a:p>
-            <a:r>
-              <a:rPr lang="zh-CN" altLang="en-US" dirty="0"/>
-              <a:t>限制约</a:t>
-            </a:r>
-            <a:r>
-              <a:rPr lang="zh-CN" altLang="en-US" dirty="0" smtClean="0"/>
-              <a:t>束</a:t>
-            </a:r>
-            <a:endParaRPr lang="en-US" altLang="zh-CN" dirty="0" smtClean="0"/>
-          </a:p>
-          <a:p>
-            <a:r>
-              <a:rPr lang="zh-CN" altLang="en-US" dirty="0"/>
-              <a:t>假设条</a:t>
-            </a:r>
-            <a:r>
-              <a:rPr lang="zh-CN" altLang="en-US" dirty="0" smtClean="0"/>
-              <a:t>件</a:t>
-            </a:r>
-            <a:endParaRPr lang="en-US" altLang="zh-CN" dirty="0" smtClean="0"/>
-          </a:p>
-          <a:p>
-            <a:r>
-              <a:rPr lang="zh-CN" altLang="en-US" dirty="0"/>
-              <a:t>成功标</a:t>
-            </a:r>
-            <a:r>
-              <a:rPr lang="zh-CN" altLang="en-US" dirty="0" smtClean="0"/>
-              <a:t>准</a:t>
-            </a:r>
-            <a:endParaRPr lang="en-US" altLang="zh-CN" dirty="0" smtClean="0"/>
-          </a:p>
-          <a:p>
-            <a:r>
-              <a:rPr lang="zh-CN" altLang="en-US" dirty="0" smtClean="0"/>
-              <a:t>驱动因素</a:t>
-            </a:r>
-            <a:endParaRPr lang="en-US" altLang="zh-CN" dirty="0"/>
-          </a:p>
-        </p:txBody>
-      </p:sp>
-    </p:spTree>
-    <p:extLst>
-      <p:ext uri="{BB962C8B-B14F-4D97-AF65-F5344CB8AC3E}">
-        <p14:creationId xmlns:p14="http://schemas.microsoft.com/office/powerpoint/2010/main" val="4045404656"/>
-      </p:ext>
-    </p:extLst>
-  </p:cSld>
-  <p:clrMapOvr>
-    <a:masterClrMapping/>
-  </p:clrMapOvr>
-  <p:timing>
-    <p:tnLst>
-      <p:par>
-        <p:cTn id="1" dur="indefinite" restart="never" nodeType="tmRoot"/>
-      </p:par>
-    </p:tnLst>
-  </p:timing>
-</p:sld>
-</file>
-
-<file path=ppt/slides/slide18.xml><?xml version="1.0" encoding="utf-8"?>
-<p:sld xmlns:a="http://schemas.openxmlformats.org/drawingml/2006/main" xmlns:r="http://schemas.openxmlformats.org/officeDocument/2006/relationships" xmlns:p="http://schemas.openxmlformats.org/presentationml/2006/main">
-  <p:cSld>
-    <p:spTree>
-      <p:nvGrpSpPr>
-        <p:cNvPr id="1" name=""/>
-        <p:cNvGrpSpPr/>
-        <p:nvPr/>
-      </p:nvGrpSpPr>
-      <p:grpSpPr>
-        <a:xfrm>
-          <a:off x="0" y="0"/>
-          <a:ext cx="0" cy="0"/>
-          <a:chOff x="0" y="0"/>
-          <a:chExt cx="0" cy="0"/>
-        </a:xfrm>
-      </p:grpSpPr>
-      <p:sp>
-        <p:nvSpPr>
-          <p:cNvPr id="2" name="标题 1"/>
-          <p:cNvSpPr>
-            <a:spLocks noGrp="1"/>
-          </p:cNvSpPr>
-          <p:nvPr>
-            <p:ph type="title"/>
-          </p:nvPr>
-        </p:nvSpPr>
-        <p:spPr/>
-        <p:txBody>
-          <a:bodyPr>
-            <a:normAutofit/>
-          </a:bodyPr>
-          <a:lstStyle/>
-          <a:p>
-            <a:r>
-              <a:rPr lang="zh-CN" altLang="en-US" dirty="0"/>
-              <a:t>基于里程碑的核心过程模</a:t>
-            </a:r>
-            <a:r>
-              <a:rPr lang="zh-CN" altLang="en-US" dirty="0" smtClean="0"/>
-              <a:t>型</a:t>
-            </a:r>
-            <a:endParaRPr lang="zh-CN" altLang="en-US" dirty="0"/>
-          </a:p>
-        </p:txBody>
-      </p:sp>
-      <p:pic>
-        <p:nvPicPr>
-          <p:cNvPr id="6" name="图片 5" descr="D:\YuanXu\My Documents\My Pictures\tmp\msf.png"/>
-          <p:cNvPicPr/>
-          <p:nvPr/>
-        </p:nvPicPr>
-        <p:blipFill>
-          <a:blip r:embed="rId2">
-            <a:extLst>
-              <a:ext uri="{28A0092B-C50C-407E-A947-70E740481C1C}">
-                <a14:useLocalDpi xmlns:a14="http://schemas.microsoft.com/office/drawing/2010/main" val="0"/>
-              </a:ext>
-            </a:extLst>
-          </a:blip>
-          <a:srcRect/>
-          <a:stretch>
-            <a:fillRect/>
-          </a:stretch>
-        </p:blipFill>
-        <p:spPr bwMode="auto">
-          <a:xfrm>
-            <a:off x="2699792" y="1844824"/>
-            <a:ext cx="3921833" cy="3768876"/>
-          </a:xfrm>
-          <a:prstGeom prst="rect">
-            <a:avLst/>
-          </a:prstGeom>
-          <a:noFill/>
-          <a:ln>
-            <a:noFill/>
-          </a:ln>
-        </p:spPr>
-      </p:pic>
-      <p:sp>
-        <p:nvSpPr>
-          <p:cNvPr id="8" name="TextBox 7"/>
-          <p:cNvSpPr txBox="1"/>
-          <p:nvPr/>
-        </p:nvSpPr>
-        <p:spPr>
-          <a:xfrm>
-            <a:off x="3526166" y="1430978"/>
-            <a:ext cx="2269083" cy="369332"/>
-          </a:xfrm>
-          <a:prstGeom prst="rect">
-            <a:avLst/>
-          </a:prstGeom>
-          <a:noFill/>
-        </p:spPr>
-        <p:txBody>
-          <a:bodyPr wrap="none" rtlCol="0">
-            <a:spAutoFit/>
-          </a:bodyPr>
-          <a:lstStyle/>
-          <a:p>
-            <a:r>
-              <a:rPr lang="en-US" altLang="zh-CN" dirty="0" smtClean="0"/>
-              <a:t>Project Plan Approved</a:t>
-            </a:r>
-            <a:endParaRPr lang="zh-CN" altLang="en-US" dirty="0"/>
-          </a:p>
-        </p:txBody>
-      </p:sp>
-      <p:sp>
-        <p:nvSpPr>
-          <p:cNvPr id="9" name="TextBox 8"/>
-          <p:cNvSpPr txBox="1"/>
-          <p:nvPr/>
-        </p:nvSpPr>
-        <p:spPr>
-          <a:xfrm>
-            <a:off x="6444208" y="2852936"/>
-            <a:ext cx="1782283" cy="369332"/>
-          </a:xfrm>
-          <a:prstGeom prst="rect">
-            <a:avLst/>
-          </a:prstGeom>
-          <a:noFill/>
-        </p:spPr>
-        <p:txBody>
-          <a:bodyPr wrap="none" rtlCol="0">
-            <a:spAutoFit/>
-          </a:bodyPr>
-          <a:lstStyle/>
-          <a:p>
-            <a:r>
-              <a:rPr lang="en-US" altLang="zh-CN" dirty="0" smtClean="0"/>
-              <a:t>Design Approved</a:t>
-            </a:r>
-            <a:endParaRPr lang="zh-CN" altLang="en-US" dirty="0"/>
-          </a:p>
-        </p:txBody>
-      </p:sp>
-      <p:sp>
-        <p:nvSpPr>
-          <p:cNvPr id="10" name="TextBox 9"/>
-          <p:cNvSpPr txBox="1"/>
-          <p:nvPr/>
-        </p:nvSpPr>
-        <p:spPr>
-          <a:xfrm>
-            <a:off x="5652120" y="5517232"/>
-            <a:ext cx="1706686" cy="369332"/>
-          </a:xfrm>
-          <a:prstGeom prst="rect">
-            <a:avLst/>
-          </a:prstGeom>
-          <a:noFill/>
-        </p:spPr>
-        <p:txBody>
-          <a:bodyPr wrap="none" rtlCol="0">
-            <a:spAutoFit/>
-          </a:bodyPr>
-          <a:lstStyle/>
-          <a:p>
-            <a:r>
-              <a:rPr lang="en-US" altLang="zh-CN" dirty="0" smtClean="0"/>
-              <a:t>Scope Complete</a:t>
-            </a:r>
-            <a:endParaRPr lang="zh-CN" altLang="en-US" dirty="0"/>
-          </a:p>
-        </p:txBody>
-      </p:sp>
-      <p:sp>
-        <p:nvSpPr>
-          <p:cNvPr id="11" name="TextBox 10"/>
-          <p:cNvSpPr txBox="1"/>
-          <p:nvPr/>
-        </p:nvSpPr>
-        <p:spPr>
-          <a:xfrm>
-            <a:off x="2626415" y="5429034"/>
-            <a:ext cx="1531125" cy="369332"/>
-          </a:xfrm>
-          <a:prstGeom prst="rect">
-            <a:avLst/>
-          </a:prstGeom>
-          <a:noFill/>
-        </p:spPr>
-        <p:txBody>
-          <a:bodyPr wrap="none" rtlCol="0">
-            <a:spAutoFit/>
-          </a:bodyPr>
-          <a:lstStyle/>
-          <a:p>
-            <a:r>
-              <a:rPr lang="en-US" altLang="zh-CN" dirty="0" smtClean="0"/>
-              <a:t>Release Ready</a:t>
-            </a:r>
-            <a:endParaRPr lang="zh-CN" altLang="en-US" dirty="0"/>
-          </a:p>
-        </p:txBody>
-      </p:sp>
-      <p:sp>
-        <p:nvSpPr>
-          <p:cNvPr id="12" name="TextBox 11"/>
-          <p:cNvSpPr txBox="1"/>
-          <p:nvPr/>
-        </p:nvSpPr>
-        <p:spPr>
-          <a:xfrm>
-            <a:off x="1729212" y="2852936"/>
-            <a:ext cx="1681358" cy="369332"/>
-          </a:xfrm>
-          <a:prstGeom prst="rect">
-            <a:avLst/>
-          </a:prstGeom>
-          <a:noFill/>
-        </p:spPr>
-        <p:txBody>
-          <a:bodyPr wrap="none" rtlCol="0">
-            <a:spAutoFit/>
-          </a:bodyPr>
-          <a:lstStyle/>
-          <a:p>
-            <a:r>
-              <a:rPr lang="en-US" altLang="zh-CN" dirty="0" smtClean="0"/>
-              <a:t>Project Finished</a:t>
-            </a:r>
-            <a:endParaRPr lang="zh-CN" altLang="en-US" dirty="0"/>
-          </a:p>
-        </p:txBody>
-      </p:sp>
-    </p:spTree>
-    <p:extLst>
-      <p:ext uri="{BB962C8B-B14F-4D97-AF65-F5344CB8AC3E}">
-        <p14:creationId xmlns:p14="http://schemas.microsoft.com/office/powerpoint/2010/main" val="2843661330"/>
-      </p:ext>
-    </p:extLst>
-  </p:cSld>
-  <p:clrMapOvr>
-    <a:masterClrMapping/>
-  </p:clrMapOvr>
-  <p:timing>
-    <p:tnLst>
-      <p:par>
-        <p:cTn id="1" dur="indefinite" restart="never" nodeType="tmRoot"/>
-      </p:par>
-    </p:tnLst>
-  </p:timing>
-</p:sld>
-</file>
-
 <file path=ppt/slides/slide2.xml><?xml version="1.0" encoding="utf-8"?>
 <p:sld xmlns:a="http://schemas.openxmlformats.org/drawingml/2006/main" xmlns:r="http://schemas.openxmlformats.org/officeDocument/2006/relationships" xmlns:p="http://schemas.openxmlformats.org/presentationml/2006/main">
   <p:cSld>
@@ -14503,6 +15612,1143 @@
 </p:sld>
 </file>
 
+<file path=ppt/slides/slide20.xml><?xml version="1.0" encoding="utf-8"?>
+<p:sld xmlns:a="http://schemas.openxmlformats.org/drawingml/2006/main" xmlns:r="http://schemas.openxmlformats.org/officeDocument/2006/relationships" xmlns:p="http://schemas.openxmlformats.org/presentationml/2006/main">
+  <p:cSld>
+    <p:spTree>
+      <p:nvGrpSpPr>
+        <p:cNvPr id="1" name=""/>
+        <p:cNvGrpSpPr/>
+        <p:nvPr/>
+      </p:nvGrpSpPr>
+      <p:grpSpPr>
+        <a:xfrm>
+          <a:off x="0" y="0"/>
+          <a:ext cx="0" cy="0"/>
+          <a:chOff x="0" y="0"/>
+          <a:chExt cx="0" cy="0"/>
+        </a:xfrm>
+      </p:grpSpPr>
+      <p:sp>
+        <p:nvSpPr>
+          <p:cNvPr id="2" name="标题 1"/>
+          <p:cNvSpPr>
+            <a:spLocks noGrp="1"/>
+          </p:cNvSpPr>
+          <p:nvPr>
+            <p:ph type="title"/>
+          </p:nvPr>
+        </p:nvSpPr>
+        <p:spPr/>
+        <p:txBody>
+          <a:bodyPr/>
+          <a:lstStyle/>
+          <a:p>
+            <a:r>
+              <a:rPr lang="zh-CN" altLang="en-US" dirty="0" smtClean="0"/>
+              <a:t>项目章程内容</a:t>
+            </a:r>
+            <a:endParaRPr lang="zh-CN" altLang="en-US" dirty="0"/>
+          </a:p>
+        </p:txBody>
+      </p:sp>
+      <p:sp>
+        <p:nvSpPr>
+          <p:cNvPr id="3" name="内容占位符 2"/>
+          <p:cNvSpPr>
+            <a:spLocks noGrp="1"/>
+          </p:cNvSpPr>
+          <p:nvPr>
+            <p:ph idx="1"/>
+          </p:nvPr>
+        </p:nvSpPr>
+        <p:spPr/>
+        <p:txBody>
+          <a:bodyPr>
+            <a:normAutofit fontScale="55000" lnSpcReduction="20000"/>
+          </a:bodyPr>
+          <a:lstStyle/>
+          <a:p>
+            <a:r>
+              <a:rPr lang="zh-CN" altLang="en-US" dirty="0" smtClean="0"/>
+              <a:t>项目远景</a:t>
+            </a:r>
+            <a:endParaRPr lang="en-US" altLang="zh-CN" dirty="0" smtClean="0"/>
+          </a:p>
+          <a:p>
+            <a:r>
+              <a:rPr lang="zh-CN" altLang="en-US" dirty="0"/>
+              <a:t>项目目</a:t>
+            </a:r>
+            <a:r>
+              <a:rPr lang="zh-CN" altLang="en-US" dirty="0" smtClean="0"/>
+              <a:t>标</a:t>
+            </a:r>
+            <a:endParaRPr lang="en-US" altLang="zh-CN" dirty="0" smtClean="0"/>
+          </a:p>
+          <a:p>
+            <a:pPr lvl="1"/>
+            <a:r>
+              <a:rPr lang="zh-CN" altLang="en-US" dirty="0"/>
+              <a:t>产品、项目、团</a:t>
+            </a:r>
+            <a:r>
+              <a:rPr lang="zh-CN" altLang="en-US" dirty="0" smtClean="0"/>
+              <a:t>队</a:t>
+            </a:r>
+            <a:endParaRPr lang="en-US" altLang="zh-CN" dirty="0" smtClean="0"/>
+          </a:p>
+          <a:p>
+            <a:r>
+              <a:rPr lang="zh-CN" altLang="en-US" dirty="0"/>
+              <a:t>发起</a:t>
+            </a:r>
+            <a:r>
+              <a:rPr lang="zh-CN" altLang="en-US" dirty="0" smtClean="0"/>
+              <a:t>人</a:t>
+            </a:r>
+            <a:endParaRPr lang="en-US" altLang="zh-CN" dirty="0" smtClean="0"/>
+          </a:p>
+          <a:p>
+            <a:r>
+              <a:rPr lang="zh-CN" altLang="en-US" dirty="0"/>
+              <a:t>项目经</a:t>
+            </a:r>
+            <a:r>
+              <a:rPr lang="zh-CN" altLang="en-US" dirty="0" smtClean="0"/>
+              <a:t>理</a:t>
+            </a:r>
+            <a:endParaRPr lang="en-US" altLang="zh-CN" dirty="0" smtClean="0"/>
+          </a:p>
+          <a:p>
+            <a:r>
+              <a:rPr lang="zh-CN" altLang="en-US" dirty="0"/>
+              <a:t>商业机</a:t>
+            </a:r>
+            <a:r>
+              <a:rPr lang="zh-CN" altLang="en-US" dirty="0" smtClean="0"/>
+              <a:t>会</a:t>
+            </a:r>
+            <a:endParaRPr lang="en-US" altLang="zh-CN" dirty="0" smtClean="0"/>
+          </a:p>
+          <a:p>
+            <a:r>
+              <a:rPr lang="zh-CN" altLang="en-US" dirty="0"/>
+              <a:t>产品需</a:t>
+            </a:r>
+            <a:r>
+              <a:rPr lang="zh-CN" altLang="en-US" dirty="0" smtClean="0"/>
+              <a:t>求</a:t>
+            </a:r>
+            <a:endParaRPr lang="en-US" altLang="zh-CN" dirty="0" smtClean="0"/>
+          </a:p>
+          <a:p>
+            <a:r>
+              <a:rPr lang="zh-CN" altLang="en-US" dirty="0"/>
+              <a:t>限制约</a:t>
+            </a:r>
+            <a:r>
+              <a:rPr lang="zh-CN" altLang="en-US" dirty="0" smtClean="0"/>
+              <a:t>束</a:t>
+            </a:r>
+            <a:endParaRPr lang="en-US" altLang="zh-CN" dirty="0" smtClean="0"/>
+          </a:p>
+          <a:p>
+            <a:r>
+              <a:rPr lang="zh-CN" altLang="en-US" dirty="0"/>
+              <a:t>假设条</a:t>
+            </a:r>
+            <a:r>
+              <a:rPr lang="zh-CN" altLang="en-US" dirty="0" smtClean="0"/>
+              <a:t>件</a:t>
+            </a:r>
+            <a:endParaRPr lang="en-US" altLang="zh-CN" dirty="0" smtClean="0"/>
+          </a:p>
+          <a:p>
+            <a:r>
+              <a:rPr lang="zh-CN" altLang="en-US" dirty="0"/>
+              <a:t>成功标</a:t>
+            </a:r>
+            <a:r>
+              <a:rPr lang="zh-CN" altLang="en-US" dirty="0" smtClean="0"/>
+              <a:t>准</a:t>
+            </a:r>
+            <a:endParaRPr lang="en-US" altLang="zh-CN" dirty="0" smtClean="0"/>
+          </a:p>
+          <a:p>
+            <a:r>
+              <a:rPr lang="zh-CN" altLang="en-US" dirty="0" smtClean="0"/>
+              <a:t>驱动因素</a:t>
+            </a:r>
+            <a:endParaRPr lang="en-US" altLang="zh-CN" dirty="0"/>
+          </a:p>
+        </p:txBody>
+      </p:sp>
+      <p:pic>
+        <p:nvPicPr>
+          <p:cNvPr id="4" name="Picture 2"/>
+          <p:cNvPicPr>
+            <a:picLocks noChangeAspect="1" noChangeArrowheads="1"/>
+          </p:cNvPicPr>
+          <p:nvPr/>
+        </p:nvPicPr>
+        <p:blipFill>
+          <a:blip r:embed="rId2" cstate="print">
+            <a:extLst>
+              <a:ext uri="{28A0092B-C50C-407E-A947-70E740481C1C}">
+                <a14:useLocalDpi xmlns:a14="http://schemas.microsoft.com/office/drawing/2010/main" val="0"/>
+              </a:ext>
+            </a:extLst>
+          </a:blip>
+          <a:srcRect/>
+          <a:stretch>
+            <a:fillRect/>
+          </a:stretch>
+        </p:blipFill>
+        <p:spPr bwMode="auto">
+          <a:xfrm>
+            <a:off x="8115537" y="361684"/>
+            <a:ext cx="1035193" cy="648072"/>
+          </a:xfrm>
+          <a:prstGeom prst="rect">
+            <a:avLst/>
+          </a:prstGeom>
+          <a:noFill/>
+          <a:ln>
+            <a:noFill/>
+          </a:ln>
+          <a:effectLst/>
+          <a:extLst>
+            <a:ext uri="{909E8E84-426E-40DD-AFC4-6F175D3DCCD1}">
+              <a14:hiddenFill xmlns:a14="http://schemas.microsoft.com/office/drawing/2010/main">
+                <a:solidFill>
+                  <a:schemeClr val="accent1"/>
+                </a:solidFill>
+              </a14:hiddenFill>
+            </a:ext>
+            <a:ext uri="{91240B29-F687-4F45-9708-019B960494DF}">
+              <a14:hiddenLine xmlns:a14="http://schemas.microsoft.com/office/drawing/2010/main" w="9525">
+                <a:solidFill>
+                  <a:schemeClr val="tx1"/>
+                </a:solidFill>
+                <a:miter lim="800000"/>
+                <a:headEnd/>
+                <a:tailEnd/>
+              </a14:hiddenLine>
+            </a:ext>
+            <a:ext uri="{AF507438-7753-43E0-B8FC-AC1667EBCBE1}">
+              <a14:hiddenEffects xmlns:a14="http://schemas.microsoft.com/office/drawing/2010/main">
+                <a:effectLst>
+                  <a:outerShdw dist="35921" dir="2700000" algn="ctr" rotWithShape="0">
+                    <a:schemeClr val="bg2"/>
+                  </a:outerShdw>
+                </a:effectLst>
+              </a14:hiddenEffects>
+            </a:ext>
+          </a:extLst>
+        </p:spPr>
+      </p:pic>
+    </p:spTree>
+    <p:extLst>
+      <p:ext uri="{BB962C8B-B14F-4D97-AF65-F5344CB8AC3E}">
+        <p14:creationId xmlns:p14="http://schemas.microsoft.com/office/powerpoint/2010/main" val="4045404656"/>
+      </p:ext>
+    </p:extLst>
+  </p:cSld>
+  <p:clrMapOvr>
+    <a:masterClrMapping/>
+  </p:clrMapOvr>
+  <p:timing>
+    <p:tnLst>
+      <p:par>
+        <p:cTn id="1" dur="indefinite" restart="never" nodeType="tmRoot"/>
+      </p:par>
+    </p:tnLst>
+  </p:timing>
+</p:sld>
+</file>
+
+<file path=ppt/slides/slide21.xml><?xml version="1.0" encoding="utf-8"?>
+<p:sld xmlns:a="http://schemas.openxmlformats.org/drawingml/2006/main" xmlns:r="http://schemas.openxmlformats.org/officeDocument/2006/relationships" xmlns:p="http://schemas.openxmlformats.org/presentationml/2006/main">
+  <p:cSld>
+    <p:spTree>
+      <p:nvGrpSpPr>
+        <p:cNvPr id="1" name=""/>
+        <p:cNvGrpSpPr/>
+        <p:nvPr/>
+      </p:nvGrpSpPr>
+      <p:grpSpPr>
+        <a:xfrm>
+          <a:off x="0" y="0"/>
+          <a:ext cx="0" cy="0"/>
+          <a:chOff x="0" y="0"/>
+          <a:chExt cx="0" cy="0"/>
+        </a:xfrm>
+      </p:grpSpPr>
+      <p:sp>
+        <p:nvSpPr>
+          <p:cNvPr id="2" name="标题 1"/>
+          <p:cNvSpPr>
+            <a:spLocks noGrp="1"/>
+          </p:cNvSpPr>
+          <p:nvPr>
+            <p:ph type="title"/>
+          </p:nvPr>
+        </p:nvSpPr>
+        <p:spPr/>
+        <p:txBody>
+          <a:bodyPr>
+            <a:normAutofit/>
+          </a:bodyPr>
+          <a:lstStyle/>
+          <a:p>
+            <a:r>
+              <a:rPr lang="zh-CN" altLang="en-US" dirty="0"/>
+              <a:t>基于里程碑的核心过程模</a:t>
+            </a:r>
+            <a:r>
+              <a:rPr lang="zh-CN" altLang="en-US" dirty="0" smtClean="0"/>
+              <a:t>型</a:t>
+            </a:r>
+            <a:endParaRPr lang="zh-CN" altLang="en-US" dirty="0"/>
+          </a:p>
+        </p:txBody>
+      </p:sp>
+      <p:pic>
+        <p:nvPicPr>
+          <p:cNvPr id="6" name="图片 5" descr="D:\YuanXu\My Documents\My Pictures\tmp\msf.png"/>
+          <p:cNvPicPr/>
+          <p:nvPr/>
+        </p:nvPicPr>
+        <p:blipFill>
+          <a:blip r:embed="rId2">
+            <a:extLst>
+              <a:ext uri="{28A0092B-C50C-407E-A947-70E740481C1C}">
+                <a14:useLocalDpi xmlns:a14="http://schemas.microsoft.com/office/drawing/2010/main" val="0"/>
+              </a:ext>
+            </a:extLst>
+          </a:blip>
+          <a:srcRect/>
+          <a:stretch>
+            <a:fillRect/>
+          </a:stretch>
+        </p:blipFill>
+        <p:spPr bwMode="auto">
+          <a:xfrm>
+            <a:off x="2699792" y="1844824"/>
+            <a:ext cx="3921833" cy="3768876"/>
+          </a:xfrm>
+          <a:prstGeom prst="rect">
+            <a:avLst/>
+          </a:prstGeom>
+          <a:noFill/>
+          <a:ln>
+            <a:noFill/>
+          </a:ln>
+        </p:spPr>
+      </p:pic>
+      <p:sp>
+        <p:nvSpPr>
+          <p:cNvPr id="8" name="TextBox 7"/>
+          <p:cNvSpPr txBox="1"/>
+          <p:nvPr/>
+        </p:nvSpPr>
+        <p:spPr>
+          <a:xfrm>
+            <a:off x="3526166" y="1430978"/>
+            <a:ext cx="2269083" cy="369332"/>
+          </a:xfrm>
+          <a:prstGeom prst="rect">
+            <a:avLst/>
+          </a:prstGeom>
+          <a:noFill/>
+        </p:spPr>
+        <p:txBody>
+          <a:bodyPr wrap="none" rtlCol="0">
+            <a:spAutoFit/>
+          </a:bodyPr>
+          <a:lstStyle/>
+          <a:p>
+            <a:r>
+              <a:rPr lang="en-US" altLang="zh-CN" dirty="0" smtClean="0"/>
+              <a:t>Project Plan Approved</a:t>
+            </a:r>
+            <a:endParaRPr lang="zh-CN" altLang="en-US" dirty="0"/>
+          </a:p>
+        </p:txBody>
+      </p:sp>
+      <p:sp>
+        <p:nvSpPr>
+          <p:cNvPr id="9" name="TextBox 8"/>
+          <p:cNvSpPr txBox="1"/>
+          <p:nvPr/>
+        </p:nvSpPr>
+        <p:spPr>
+          <a:xfrm>
+            <a:off x="6444208" y="2852936"/>
+            <a:ext cx="1782283" cy="369332"/>
+          </a:xfrm>
+          <a:prstGeom prst="rect">
+            <a:avLst/>
+          </a:prstGeom>
+          <a:noFill/>
+        </p:spPr>
+        <p:txBody>
+          <a:bodyPr wrap="none" rtlCol="0">
+            <a:spAutoFit/>
+          </a:bodyPr>
+          <a:lstStyle/>
+          <a:p>
+            <a:r>
+              <a:rPr lang="en-US" altLang="zh-CN" dirty="0" smtClean="0"/>
+              <a:t>Design Approved</a:t>
+            </a:r>
+            <a:endParaRPr lang="zh-CN" altLang="en-US" dirty="0"/>
+          </a:p>
+        </p:txBody>
+      </p:sp>
+      <p:sp>
+        <p:nvSpPr>
+          <p:cNvPr id="10" name="TextBox 9"/>
+          <p:cNvSpPr txBox="1"/>
+          <p:nvPr/>
+        </p:nvSpPr>
+        <p:spPr>
+          <a:xfrm>
+            <a:off x="5652120" y="5517232"/>
+            <a:ext cx="1706686" cy="369332"/>
+          </a:xfrm>
+          <a:prstGeom prst="rect">
+            <a:avLst/>
+          </a:prstGeom>
+          <a:noFill/>
+        </p:spPr>
+        <p:txBody>
+          <a:bodyPr wrap="none" rtlCol="0">
+            <a:spAutoFit/>
+          </a:bodyPr>
+          <a:lstStyle/>
+          <a:p>
+            <a:r>
+              <a:rPr lang="en-US" altLang="zh-CN" dirty="0" smtClean="0"/>
+              <a:t>Scope Complete</a:t>
+            </a:r>
+            <a:endParaRPr lang="zh-CN" altLang="en-US" dirty="0"/>
+          </a:p>
+        </p:txBody>
+      </p:sp>
+      <p:sp>
+        <p:nvSpPr>
+          <p:cNvPr id="11" name="TextBox 10"/>
+          <p:cNvSpPr txBox="1"/>
+          <p:nvPr/>
+        </p:nvSpPr>
+        <p:spPr>
+          <a:xfrm>
+            <a:off x="2626415" y="5429034"/>
+            <a:ext cx="1531125" cy="369332"/>
+          </a:xfrm>
+          <a:prstGeom prst="rect">
+            <a:avLst/>
+          </a:prstGeom>
+          <a:noFill/>
+        </p:spPr>
+        <p:txBody>
+          <a:bodyPr wrap="none" rtlCol="0">
+            <a:spAutoFit/>
+          </a:bodyPr>
+          <a:lstStyle/>
+          <a:p>
+            <a:r>
+              <a:rPr lang="en-US" altLang="zh-CN" dirty="0" smtClean="0"/>
+              <a:t>Release Ready</a:t>
+            </a:r>
+            <a:endParaRPr lang="zh-CN" altLang="en-US" dirty="0"/>
+          </a:p>
+        </p:txBody>
+      </p:sp>
+      <p:sp>
+        <p:nvSpPr>
+          <p:cNvPr id="12" name="TextBox 11"/>
+          <p:cNvSpPr txBox="1"/>
+          <p:nvPr/>
+        </p:nvSpPr>
+        <p:spPr>
+          <a:xfrm>
+            <a:off x="1729212" y="2852936"/>
+            <a:ext cx="1681358" cy="369332"/>
+          </a:xfrm>
+          <a:prstGeom prst="rect">
+            <a:avLst/>
+          </a:prstGeom>
+          <a:noFill/>
+        </p:spPr>
+        <p:txBody>
+          <a:bodyPr wrap="none" rtlCol="0">
+            <a:spAutoFit/>
+          </a:bodyPr>
+          <a:lstStyle/>
+          <a:p>
+            <a:r>
+              <a:rPr lang="en-US" altLang="zh-CN" dirty="0" smtClean="0"/>
+              <a:t>Project Finished</a:t>
+            </a:r>
+            <a:endParaRPr lang="zh-CN" altLang="en-US" dirty="0"/>
+          </a:p>
+        </p:txBody>
+      </p:sp>
+    </p:spTree>
+    <p:extLst>
+      <p:ext uri="{BB962C8B-B14F-4D97-AF65-F5344CB8AC3E}">
+        <p14:creationId xmlns:p14="http://schemas.microsoft.com/office/powerpoint/2010/main" val="2843661330"/>
+      </p:ext>
+    </p:extLst>
+  </p:cSld>
+  <p:clrMapOvr>
+    <a:masterClrMapping/>
+  </p:clrMapOvr>
+  <p:timing>
+    <p:tnLst>
+      <p:par>
+        <p:cTn id="1" dur="indefinite" restart="never" nodeType="tmRoot"/>
+      </p:par>
+    </p:tnLst>
+  </p:timing>
+</p:sld>
+</file>
+
+<file path=ppt/slides/slide22.xml><?xml version="1.0" encoding="utf-8"?>
+<p:sld xmlns:a="http://schemas.openxmlformats.org/drawingml/2006/main" xmlns:r="http://schemas.openxmlformats.org/officeDocument/2006/relationships" xmlns:p="http://schemas.openxmlformats.org/presentationml/2006/main">
+  <p:cSld>
+    <p:spTree>
+      <p:nvGrpSpPr>
+        <p:cNvPr id="1" name=""/>
+        <p:cNvGrpSpPr/>
+        <p:nvPr/>
+      </p:nvGrpSpPr>
+      <p:grpSpPr>
+        <a:xfrm>
+          <a:off x="0" y="0"/>
+          <a:ext cx="0" cy="0"/>
+          <a:chOff x="0" y="0"/>
+          <a:chExt cx="0" cy="0"/>
+        </a:xfrm>
+      </p:grpSpPr>
+      <p:sp>
+        <p:nvSpPr>
+          <p:cNvPr id="2" name="标题 1"/>
+          <p:cNvSpPr>
+            <a:spLocks noGrp="1"/>
+          </p:cNvSpPr>
+          <p:nvPr>
+            <p:ph type="title"/>
+          </p:nvPr>
+        </p:nvSpPr>
+        <p:spPr/>
+        <p:txBody>
+          <a:bodyPr/>
+          <a:lstStyle/>
+          <a:p>
+            <a:r>
+              <a:rPr lang="zh-CN" altLang="en-US" dirty="0"/>
+              <a:t>目录</a:t>
+            </a:r>
+          </a:p>
+        </p:txBody>
+      </p:sp>
+      <p:sp>
+        <p:nvSpPr>
+          <p:cNvPr id="3" name="内容占位符 2"/>
+          <p:cNvSpPr>
+            <a:spLocks noGrp="1"/>
+          </p:cNvSpPr>
+          <p:nvPr>
+            <p:ph idx="1"/>
+          </p:nvPr>
+        </p:nvSpPr>
+        <p:spPr/>
+        <p:txBody>
+          <a:bodyPr>
+            <a:normAutofit lnSpcReduction="10000"/>
+          </a:bodyPr>
+          <a:lstStyle/>
+          <a:p>
+            <a:r>
+              <a:rPr lang="zh-CN" altLang="en-US" dirty="0" smtClean="0"/>
+              <a:t>概述</a:t>
+            </a:r>
+            <a:endParaRPr lang="en-US" altLang="zh-CN" dirty="0" smtClean="0"/>
+          </a:p>
+          <a:p>
+            <a:r>
+              <a:rPr lang="zh-CN" altLang="en-US" dirty="0"/>
+              <a:t>构想阶</a:t>
+            </a:r>
+            <a:r>
+              <a:rPr lang="zh-CN" altLang="en-US" dirty="0" smtClean="0"/>
+              <a:t>段</a:t>
+            </a:r>
+            <a:endParaRPr lang="en-US" altLang="zh-CN" dirty="0" smtClean="0"/>
+          </a:p>
+          <a:p>
+            <a:r>
+              <a:rPr lang="zh-CN" altLang="en-US" dirty="0"/>
+              <a:t>计划阶</a:t>
+            </a:r>
+            <a:r>
+              <a:rPr lang="zh-CN" altLang="en-US" dirty="0" smtClean="0"/>
+              <a:t>段</a:t>
+            </a:r>
+            <a:endParaRPr lang="en-US" altLang="zh-CN" dirty="0" smtClean="0"/>
+          </a:p>
+          <a:p>
+            <a:r>
+              <a:rPr lang="zh-CN" altLang="en-US" dirty="0"/>
+              <a:t>开发阶</a:t>
+            </a:r>
+            <a:r>
+              <a:rPr lang="zh-CN" altLang="en-US" dirty="0" smtClean="0"/>
+              <a:t>段</a:t>
+            </a:r>
+            <a:endParaRPr lang="en-US" altLang="zh-CN" dirty="0" smtClean="0"/>
+          </a:p>
+          <a:p>
+            <a:r>
+              <a:rPr lang="zh-CN" altLang="en-US" dirty="0"/>
+              <a:t>稳固阶</a:t>
+            </a:r>
+            <a:r>
+              <a:rPr lang="zh-CN" altLang="en-US" dirty="0" smtClean="0"/>
+              <a:t>段</a:t>
+            </a:r>
+            <a:endParaRPr lang="en-US" altLang="zh-CN" dirty="0" smtClean="0"/>
+          </a:p>
+          <a:p>
+            <a:r>
+              <a:rPr lang="zh-CN" altLang="en-US" dirty="0"/>
+              <a:t>发布阶段</a:t>
+            </a:r>
+          </a:p>
+        </p:txBody>
+      </p:sp>
+    </p:spTree>
+    <p:extLst>
+      <p:ext uri="{BB962C8B-B14F-4D97-AF65-F5344CB8AC3E}">
+        <p14:creationId xmlns:p14="http://schemas.microsoft.com/office/powerpoint/2010/main" val="2655152441"/>
+      </p:ext>
+    </p:extLst>
+  </p:cSld>
+  <p:clrMapOvr>
+    <a:masterClrMapping/>
+  </p:clrMapOvr>
+  <p:timing>
+    <p:tnLst>
+      <p:par>
+        <p:cTn id="1" dur="indefinite" restart="never" nodeType="tmRoot">
+          <p:childTnLst>
+            <p:seq concurrent="1" nextAc="seek">
+              <p:cTn id="2" dur="indefinite" nodeType="mainSeq">
+                <p:childTnLst>
+                  <p:par>
+                    <p:cTn id="3" fill="hold">
+                      <p:stCondLst>
+                        <p:cond delay="indefinite"/>
+                      </p:stCondLst>
+                      <p:childTnLst>
+                        <p:par>
+                          <p:cTn id="4" fill="hold">
+                            <p:stCondLst>
+                              <p:cond delay="0"/>
+                            </p:stCondLst>
+                            <p:childTnLst>
+                              <p:par>
+                                <p:cTn id="5" presetID="16" presetClass="emph" presetSubtype="0" fill="hold" nodeType="clickEffect">
+                                  <p:stCondLst>
+                                    <p:cond delay="0"/>
+                                  </p:stCondLst>
+                                  <p:iterate type="lt">
+                                    <p:tmPct val="4000"/>
+                                  </p:iterate>
+                                  <p:childTnLst>
+                                    <p:set>
+                                      <p:cBhvr override="childStyle">
+                                        <p:cTn id="6" dur="500" fill="hold"/>
+                                        <p:tgtEl>
+                                          <p:spTgt spid="3">
+                                            <p:txEl>
+                                              <p:pRg st="2" end="2"/>
+                                            </p:txEl>
+                                          </p:spTgt>
+                                        </p:tgtEl>
+                                        <p:attrNameLst>
+                                          <p:attrName>style.color</p:attrName>
+                                        </p:attrNameLst>
+                                      </p:cBhvr>
+                                      <p:to>
+                                        <p:clrVal>
+                                          <a:schemeClr val="accent2"/>
+                                        </p:clrVal>
+                                      </p:to>
+                                    </p:set>
+                                    <p:set>
+                                      <p:cBhvr>
+                                        <p:cTn id="7" dur="500" fill="hold"/>
+                                        <p:tgtEl>
+                                          <p:spTgt spid="3">
+                                            <p:txEl>
+                                              <p:pRg st="2" end="2"/>
+                                            </p:txEl>
+                                          </p:spTgt>
+                                        </p:tgtEl>
+                                        <p:attrNameLst>
+                                          <p:attrName>fillcolor</p:attrName>
+                                        </p:attrNameLst>
+                                      </p:cBhvr>
+                                      <p:to>
+                                        <p:clrVal>
+                                          <a:schemeClr val="accent2"/>
+                                        </p:clrVal>
+                                      </p:to>
+                                    </p:set>
+                                    <p:set>
+                                      <p:cBhvr>
+                                        <p:cTn id="8" dur="500" fill="hold"/>
+                                        <p:tgtEl>
+                                          <p:spTgt spid="3">
+                                            <p:txEl>
+                                              <p:pRg st="2" end="2"/>
+                                            </p:txEl>
+                                          </p:spTgt>
+                                        </p:tgtEl>
+                                        <p:attrNameLst>
+                                          <p:attrName>fill.type</p:attrName>
+                                        </p:attrNameLst>
+                                      </p:cBhvr>
+                                      <p:to>
+                                        <p:strVal val="solid"/>
+                                      </p:to>
+                                    </p:set>
+                                  </p:childTnLst>
+                                </p:cTn>
+                              </p:par>
+                            </p:childTnLst>
+                          </p:cTn>
+                        </p:par>
+                      </p:childTnLst>
+                    </p:cTn>
+                  </p:par>
+                </p:childTnLst>
+              </p:cTn>
+              <p:prevCondLst>
+                <p:cond evt="onPrev" delay="0">
+                  <p:tgtEl>
+                    <p:sldTgt/>
+                  </p:tgtEl>
+                </p:cond>
+              </p:prevCondLst>
+              <p:nextCondLst>
+                <p:cond evt="onNext" delay="0">
+                  <p:tgtEl>
+                    <p:sldTgt/>
+                  </p:tgtEl>
+                </p:cond>
+              </p:nextCondLst>
+            </p:seq>
+          </p:childTnLst>
+        </p:cTn>
+      </p:par>
+    </p:tnLst>
+  </p:timing>
+</p:sld>
+</file>
+
+<file path=ppt/slides/slide23.xml><?xml version="1.0" encoding="utf-8"?>
+<p:sld xmlns:a="http://schemas.openxmlformats.org/drawingml/2006/main" xmlns:r="http://schemas.openxmlformats.org/officeDocument/2006/relationships" xmlns:p="http://schemas.openxmlformats.org/presentationml/2006/main">
+  <p:cSld>
+    <p:spTree>
+      <p:nvGrpSpPr>
+        <p:cNvPr id="1" name=""/>
+        <p:cNvGrpSpPr/>
+        <p:nvPr/>
+      </p:nvGrpSpPr>
+      <p:grpSpPr>
+        <a:xfrm>
+          <a:off x="0" y="0"/>
+          <a:ext cx="0" cy="0"/>
+          <a:chOff x="0" y="0"/>
+          <a:chExt cx="0" cy="0"/>
+        </a:xfrm>
+      </p:grpSpPr>
+      <p:sp>
+        <p:nvSpPr>
+          <p:cNvPr id="2" name="标题 1"/>
+          <p:cNvSpPr>
+            <a:spLocks noGrp="1"/>
+          </p:cNvSpPr>
+          <p:nvPr>
+            <p:ph type="title"/>
+          </p:nvPr>
+        </p:nvSpPr>
+        <p:spPr/>
+        <p:txBody>
+          <a:bodyPr/>
+          <a:lstStyle/>
+          <a:p>
+            <a:r>
+              <a:rPr lang="zh-CN" altLang="en-US" dirty="0" smtClean="0"/>
+              <a:t>计划阶段</a:t>
+            </a:r>
+            <a:endParaRPr lang="zh-CN" altLang="en-US" dirty="0"/>
+          </a:p>
+        </p:txBody>
+      </p:sp>
+      <p:sp>
+        <p:nvSpPr>
+          <p:cNvPr id="3" name="内容占位符 2"/>
+          <p:cNvSpPr>
+            <a:spLocks noGrp="1"/>
+          </p:cNvSpPr>
+          <p:nvPr>
+            <p:ph idx="1"/>
+          </p:nvPr>
+        </p:nvSpPr>
+        <p:spPr>
+          <a:xfrm>
+            <a:off x="457200" y="1196752"/>
+            <a:ext cx="4762872" cy="4929411"/>
+          </a:xfrm>
+        </p:spPr>
+        <p:txBody>
+          <a:bodyPr>
+            <a:normAutofit fontScale="85000" lnSpcReduction="10000"/>
+          </a:bodyPr>
+          <a:lstStyle/>
+          <a:p>
+            <a:r>
+              <a:rPr lang="zh-CN" altLang="en-US" dirty="0" smtClean="0"/>
+              <a:t>目标</a:t>
+            </a:r>
+            <a:endParaRPr lang="en-US" altLang="zh-CN" dirty="0" smtClean="0"/>
+          </a:p>
+          <a:p>
+            <a:pPr lvl="1"/>
+            <a:r>
+              <a:rPr lang="en-US" altLang="zh-CN" dirty="0" smtClean="0"/>
+              <a:t>What </a:t>
+            </a:r>
+            <a:r>
+              <a:rPr lang="en-US" altLang="zh-CN" dirty="0" smtClean="0"/>
+              <a:t>to build</a:t>
+            </a:r>
+          </a:p>
+          <a:p>
+            <a:pPr lvl="1"/>
+            <a:r>
+              <a:rPr lang="en-US" altLang="zh-CN" dirty="0" smtClean="0"/>
+              <a:t>How to build</a:t>
+            </a:r>
+          </a:p>
+          <a:p>
+            <a:pPr lvl="1"/>
+            <a:r>
+              <a:rPr lang="en-US" altLang="zh-CN" dirty="0" smtClean="0"/>
+              <a:t>When to </a:t>
+            </a:r>
+            <a:r>
+              <a:rPr lang="en-US" altLang="zh-CN" dirty="0" smtClean="0"/>
+              <a:t>build</a:t>
+            </a:r>
+          </a:p>
+          <a:p>
+            <a:r>
+              <a:rPr lang="zh-CN" altLang="en-US" dirty="0"/>
+              <a:t>可交</a:t>
+            </a:r>
+            <a:r>
+              <a:rPr lang="zh-CN" altLang="en-US" dirty="0" smtClean="0"/>
+              <a:t>付物</a:t>
+            </a:r>
+            <a:endParaRPr lang="en-US" altLang="zh-CN" dirty="0" smtClean="0"/>
+          </a:p>
+          <a:p>
+            <a:pPr lvl="1"/>
+            <a:r>
+              <a:rPr lang="zh-CN" altLang="en-US" dirty="0"/>
+              <a:t>功能规格说明书</a:t>
+            </a:r>
+            <a:r>
+              <a:rPr lang="en-US" altLang="zh-CN" dirty="0"/>
+              <a:t>(</a:t>
+            </a:r>
+            <a:r>
+              <a:rPr lang="zh-CN" altLang="en-US" dirty="0"/>
+              <a:t>需求确认书</a:t>
+            </a:r>
+            <a:r>
+              <a:rPr lang="en-US" altLang="zh-CN" dirty="0" smtClean="0"/>
+              <a:t>)</a:t>
+            </a:r>
+            <a:endParaRPr lang="en-US" altLang="zh-CN" dirty="0" smtClean="0"/>
+          </a:p>
+          <a:p>
+            <a:pPr lvl="1"/>
+            <a:r>
+              <a:rPr lang="zh-CN" altLang="en-US" dirty="0" smtClean="0"/>
+              <a:t>项目规划</a:t>
+            </a:r>
+            <a:r>
+              <a:rPr lang="en-US" altLang="zh-CN" dirty="0" smtClean="0"/>
+              <a:t>(</a:t>
+            </a:r>
+            <a:r>
+              <a:rPr lang="zh-CN" altLang="en-US" dirty="0" smtClean="0"/>
+              <a:t>管理计划</a:t>
+            </a:r>
+            <a:r>
+              <a:rPr lang="en-US" altLang="zh-CN" dirty="0" smtClean="0"/>
+              <a:t>)</a:t>
+            </a:r>
+          </a:p>
+          <a:p>
+            <a:pPr lvl="1"/>
+            <a:r>
+              <a:rPr lang="zh-CN" altLang="en-US" dirty="0"/>
+              <a:t>进度计</a:t>
+            </a:r>
+            <a:r>
+              <a:rPr lang="zh-CN" altLang="en-US" dirty="0" smtClean="0"/>
+              <a:t>划</a:t>
+            </a:r>
+            <a:r>
+              <a:rPr lang="en-US" altLang="zh-CN" dirty="0" smtClean="0"/>
+              <a:t>(Schedule)</a:t>
+            </a:r>
+          </a:p>
+        </p:txBody>
+      </p:sp>
+      <p:pic>
+        <p:nvPicPr>
+          <p:cNvPr id="1026" name="Picture 2"/>
+          <p:cNvPicPr>
+            <a:picLocks noChangeAspect="1" noChangeArrowheads="1"/>
+          </p:cNvPicPr>
+          <p:nvPr/>
+        </p:nvPicPr>
+        <p:blipFill>
+          <a:blip r:embed="rId2">
+            <a:extLst>
+              <a:ext uri="{28A0092B-C50C-407E-A947-70E740481C1C}">
+                <a14:useLocalDpi xmlns:a14="http://schemas.microsoft.com/office/drawing/2010/main" val="0"/>
+              </a:ext>
+            </a:extLst>
+          </a:blip>
+          <a:srcRect/>
+          <a:stretch>
+            <a:fillRect/>
+          </a:stretch>
+        </p:blipFill>
+        <p:spPr bwMode="auto">
+          <a:xfrm>
+            <a:off x="4684812" y="1340769"/>
+            <a:ext cx="4156421" cy="2664296"/>
+          </a:xfrm>
+          <a:prstGeom prst="rect">
+            <a:avLst/>
+          </a:prstGeom>
+          <a:noFill/>
+          <a:ln>
+            <a:noFill/>
+          </a:ln>
+          <a:effectLst/>
+          <a:extLst>
+            <a:ext uri="{909E8E84-426E-40DD-AFC4-6F175D3DCCD1}">
+              <a14:hiddenFill xmlns:a14="http://schemas.microsoft.com/office/drawing/2010/main">
+                <a:solidFill>
+                  <a:schemeClr val="accent1"/>
+                </a:solidFill>
+              </a14:hiddenFill>
+            </a:ext>
+            <a:ext uri="{91240B29-F687-4F45-9708-019B960494DF}">
+              <a14:hiddenLine xmlns:a14="http://schemas.microsoft.com/office/drawing/2010/main" w="9525">
+                <a:solidFill>
+                  <a:schemeClr val="tx1"/>
+                </a:solidFill>
+                <a:miter lim="800000"/>
+                <a:headEnd/>
+                <a:tailEnd/>
+              </a14:hiddenLine>
+            </a:ext>
+            <a:ext uri="{AF507438-7753-43E0-B8FC-AC1667EBCBE1}">
+              <a14:hiddenEffects xmlns:a14="http://schemas.microsoft.com/office/drawing/2010/main">
+                <a:effectLst>
+                  <a:outerShdw dist="35921" dir="2700000" algn="ctr" rotWithShape="0">
+                    <a:schemeClr val="bg2"/>
+                  </a:outerShdw>
+                </a:effectLst>
+              </a14:hiddenEffects>
+            </a:ext>
+          </a:extLst>
+        </p:spPr>
+      </p:pic>
+    </p:spTree>
+    <p:extLst>
+      <p:ext uri="{BB962C8B-B14F-4D97-AF65-F5344CB8AC3E}">
+        <p14:creationId xmlns:p14="http://schemas.microsoft.com/office/powerpoint/2010/main" val="1279671458"/>
+      </p:ext>
+    </p:extLst>
+  </p:cSld>
+  <p:clrMapOvr>
+    <a:masterClrMapping/>
+  </p:clrMapOvr>
+  <p:timing>
+    <p:tnLst>
+      <p:par>
+        <p:cTn id="1" dur="indefinite" restart="never" nodeType="tmRoot"/>
+      </p:par>
+    </p:tnLst>
+  </p:timing>
+</p:sld>
+</file>
+
+<file path=ppt/slides/slide24.xml><?xml version="1.0" encoding="utf-8"?>
+<p:sld xmlns:a="http://schemas.openxmlformats.org/drawingml/2006/main" xmlns:r="http://schemas.openxmlformats.org/officeDocument/2006/relationships" xmlns:p="http://schemas.openxmlformats.org/presentationml/2006/main">
+  <p:cSld>
+    <p:spTree>
+      <p:nvGrpSpPr>
+        <p:cNvPr id="1" name=""/>
+        <p:cNvGrpSpPr/>
+        <p:nvPr/>
+      </p:nvGrpSpPr>
+      <p:grpSpPr>
+        <a:xfrm>
+          <a:off x="0" y="0"/>
+          <a:ext cx="0" cy="0"/>
+          <a:chOff x="0" y="0"/>
+          <a:chExt cx="0" cy="0"/>
+        </a:xfrm>
+      </p:grpSpPr>
+      <p:sp>
+        <p:nvSpPr>
+          <p:cNvPr id="2" name="标题 1"/>
+          <p:cNvSpPr>
+            <a:spLocks noGrp="1"/>
+          </p:cNvSpPr>
+          <p:nvPr>
+            <p:ph type="title"/>
+          </p:nvPr>
+        </p:nvSpPr>
+        <p:spPr/>
+        <p:txBody>
+          <a:bodyPr/>
+          <a:lstStyle/>
+          <a:p>
+            <a:endParaRPr lang="zh-CN" altLang="en-US"/>
+          </a:p>
+        </p:txBody>
+      </p:sp>
+      <p:sp>
+        <p:nvSpPr>
+          <p:cNvPr id="3" name="内容占位符 2"/>
+          <p:cNvSpPr>
+            <a:spLocks noGrp="1"/>
+          </p:cNvSpPr>
+          <p:nvPr>
+            <p:ph idx="1"/>
+          </p:nvPr>
+        </p:nvSpPr>
+        <p:spPr/>
+        <p:txBody>
+          <a:bodyPr/>
+          <a:lstStyle/>
+          <a:p>
+            <a:endParaRPr lang="zh-CN" altLang="en-US" dirty="0"/>
+          </a:p>
+        </p:txBody>
+      </p:sp>
+      <p:pic>
+        <p:nvPicPr>
+          <p:cNvPr id="1027" name="Picture 3"/>
+          <p:cNvPicPr>
+            <a:picLocks noChangeAspect="1" noChangeArrowheads="1"/>
+          </p:cNvPicPr>
+          <p:nvPr/>
+        </p:nvPicPr>
+        <p:blipFill>
+          <a:blip r:embed="rId2">
+            <a:extLst>
+              <a:ext uri="{28A0092B-C50C-407E-A947-70E740481C1C}">
+                <a14:useLocalDpi xmlns:a14="http://schemas.microsoft.com/office/drawing/2010/main" val="0"/>
+              </a:ext>
+            </a:extLst>
+          </a:blip>
+          <a:srcRect/>
+          <a:stretch>
+            <a:fillRect/>
+          </a:stretch>
+        </p:blipFill>
+        <p:spPr bwMode="auto">
+          <a:xfrm>
+            <a:off x="1985963" y="1685925"/>
+            <a:ext cx="5172075" cy="3486150"/>
+          </a:xfrm>
+          <a:prstGeom prst="rect">
+            <a:avLst/>
+          </a:prstGeom>
+          <a:noFill/>
+          <a:ln>
+            <a:noFill/>
+          </a:ln>
+          <a:effectLst/>
+          <a:extLst>
+            <a:ext uri="{909E8E84-426E-40DD-AFC4-6F175D3DCCD1}">
+              <a14:hiddenFill xmlns:a14="http://schemas.microsoft.com/office/drawing/2010/main">
+                <a:solidFill>
+                  <a:schemeClr val="accent1"/>
+                </a:solidFill>
+              </a14:hiddenFill>
+            </a:ext>
+            <a:ext uri="{91240B29-F687-4F45-9708-019B960494DF}">
+              <a14:hiddenLine xmlns:a14="http://schemas.microsoft.com/office/drawing/2010/main" w="9525">
+                <a:solidFill>
+                  <a:schemeClr val="tx1"/>
+                </a:solidFill>
+                <a:miter lim="800000"/>
+                <a:headEnd/>
+                <a:tailEnd/>
+              </a14:hiddenLine>
+            </a:ext>
+            <a:ext uri="{AF507438-7753-43E0-B8FC-AC1667EBCBE1}">
+              <a14:hiddenEffects xmlns:a14="http://schemas.microsoft.com/office/drawing/2010/main">
+                <a:effectLst>
+                  <a:outerShdw dist="35921" dir="2700000" algn="ctr" rotWithShape="0">
+                    <a:schemeClr val="bg2"/>
+                  </a:outerShdw>
+                </a:effectLst>
+              </a14:hiddenEffects>
+            </a:ext>
+          </a:extLst>
+        </p:spPr>
+      </p:pic>
+    </p:spTree>
+    <p:extLst>
+      <p:ext uri="{BB962C8B-B14F-4D97-AF65-F5344CB8AC3E}">
+        <p14:creationId xmlns:p14="http://schemas.microsoft.com/office/powerpoint/2010/main" val="3602947836"/>
+      </p:ext>
+    </p:extLst>
+  </p:cSld>
+  <p:clrMapOvr>
+    <a:masterClrMapping/>
+  </p:clrMapOvr>
+  <p:timing>
+    <p:tnLst>
+      <p:par>
+        <p:cTn id="1" dur="indefinite" restart="never" nodeType="tmRoot"/>
+      </p:par>
+    </p:tnLst>
+  </p:timing>
+</p:sld>
+</file>
+
 <file path=ppt/slides/slide3.xml><?xml version="1.0" encoding="utf-8"?>
 <p:sld xmlns:a="http://schemas.openxmlformats.org/drawingml/2006/main" xmlns:r="http://schemas.openxmlformats.org/officeDocument/2006/relationships" xmlns:p="http://schemas.openxmlformats.org/presentationml/2006/main">
   <p:cSld>
@@ -14536,26 +16782,9 @@
           <a:lstStyle/>
           <a:p>
             <a:r>
-              <a:rPr lang="zh-CN" altLang="en-US" dirty="0" smtClean="0"/>
-              <a:t>生命周期</a:t>
-            </a:r>
-            <a:r>
-              <a:rPr lang="en-US" altLang="zh-CN" dirty="0" smtClean="0"/>
-              <a:t>(</a:t>
-            </a:r>
-            <a:r>
               <a:rPr lang="zh-CN" altLang="en-US" dirty="0"/>
-              <a:t>过程</a:t>
-            </a:r>
-            <a:r>
-              <a:rPr lang="en-US" altLang="zh-CN" dirty="0" smtClean="0"/>
-              <a:t>)</a:t>
-            </a:r>
-            <a:r>
-              <a:rPr lang="zh-CN" altLang="en-US" dirty="0" smtClean="0"/>
-              <a:t>模型</a:t>
-            </a:r>
-            <a:endParaRPr lang="zh-CN" altLang="en-US" dirty="0"/>
+              <a:t>目录</a:t>
+            </a:r>
           </a:p>
         </p:txBody>
       </p:sp>
@@ -14571,27 +16800,65 @@
         </p:nvSpPr>
         <p:spPr/>
         <p:txBody>
-          <a:bodyPr/>
+          <a:bodyPr>
+            <a:normAutofit lnSpcReduction="10000"/>
+          </a:bodyPr>
           <a:lstStyle/>
           <a:p>
             <a:r>
               <a:rPr lang="zh-CN" altLang="en-US" dirty="0" smtClean="0"/>
-              <a:t>几种生命周期模型介绍</a:t>
+              <a:t>概述</a:t>
             </a:r>
             <a:endParaRPr lang="en-US" altLang="zh-CN" dirty="0" smtClean="0"/>
           </a:p>
           <a:p>
             <a:r>
               <a:rPr lang="zh-CN" altLang="en-US" dirty="0"/>
-              <a:t>基于里程碑</a:t>
+              <a:t>构想阶</a:t>
             </a:r>
             <a:r>
               <a:rPr lang="zh-CN" altLang="en-US" dirty="0" smtClean="0"/>
-              <a:t>的核心过</a:t>
-            </a:r>
+              <a:t>段</a:t>
+            </a:r>
+            <a:endParaRPr lang="en-US" altLang="zh-CN" dirty="0" smtClean="0"/>
+          </a:p>
+          <a:p>
             <a:r>
               <a:rPr lang="zh-CN" altLang="en-US" dirty="0"/>
-              <a:t>程模型</a:t>
+              <a:t>计划阶</a:t>
+            </a:r>
+            <a:r>
+              <a:rPr lang="zh-CN" altLang="en-US" dirty="0" smtClean="0"/>
+              <a:t>段</a:t>
+            </a:r>
+            <a:endParaRPr lang="en-US" altLang="zh-CN" dirty="0" smtClean="0"/>
+          </a:p>
+          <a:p>
+            <a:r>
+              <a:rPr lang="zh-CN" altLang="en-US" dirty="0"/>
+              <a:t>开发阶</a:t>
+            </a:r>
+            <a:r>
+              <a:rPr lang="zh-CN" altLang="en-US" dirty="0" smtClean="0"/>
+              <a:t>段</a:t>
+            </a:r>
+            <a:endParaRPr lang="en-US" altLang="zh-CN" dirty="0" smtClean="0"/>
+          </a:p>
+          <a:p>
+            <a:r>
+              <a:rPr lang="zh-CN" altLang="en-US" dirty="0"/>
+              <a:t>稳固阶</a:t>
+            </a:r>
+            <a:r>
+              <a:rPr lang="zh-CN" altLang="en-US" dirty="0" smtClean="0"/>
+              <a:t>段</a:t>
+            </a:r>
+            <a:endParaRPr lang="en-US" altLang="zh-CN" dirty="0" smtClean="0"/>
+          </a:p>
+          <a:p>
+            <a:r>
+              <a:rPr lang="zh-CN" altLang="en-US" dirty="0"/>
+              <a:t>发布阶段</a:t>
             </a:r>
           </a:p>
         </p:txBody>
@@ -14599,20 +16866,13 @@
     </p:spTree>
     <p:extLst>
       <p:ext uri="{BB962C8B-B14F-4D97-AF65-F5344CB8AC3E}">
-        <p14:creationId xmlns:p14="http://schemas.microsoft.com/office/powerpoint/2010/main" val="2396471336"/>
+        <p14:creationId xmlns:p14="http://schemas.microsoft.com/office/powerpoint/2010/main" val="3150199996"/>
       </p:ext>
     </p:extLst>
   </p:cSld>
   <p:clrMapOvr>
     <a:masterClrMapping/>
   </p:clrMapOvr>
-  <p:timing>
-    <p:tnLst>
-      <p:par>
-        <p:cTn id="1" dur="indefinite" restart="never" nodeType="tmRoot"/>
-      </p:par>
-    </p:tnLst>
-  </p:timing>
 </p:sld>
 </file>
 
@@ -14650,6 +16910,119 @@
           <a:p>
             <a:r>
               <a:rPr lang="zh-CN" altLang="en-US" dirty="0" smtClean="0"/>
+              <a:t>生命周期</a:t>
+            </a:r>
+            <a:r>
+              <a:rPr lang="en-US" altLang="zh-CN" dirty="0" smtClean="0"/>
+              <a:t>(</a:t>
+            </a:r>
+            <a:r>
+              <a:rPr lang="zh-CN" altLang="en-US" dirty="0"/>
+              <a:t>过程</a:t>
+            </a:r>
+            <a:r>
+              <a:rPr lang="en-US" altLang="zh-CN" dirty="0" smtClean="0"/>
+              <a:t>)</a:t>
+            </a:r>
+            <a:r>
+              <a:rPr lang="zh-CN" altLang="en-US" dirty="0" smtClean="0"/>
+              <a:t>模型</a:t>
+            </a:r>
+            <a:endParaRPr lang="zh-CN" altLang="en-US" dirty="0"/>
+          </a:p>
+        </p:txBody>
+      </p:sp>
+      <p:sp>
+        <p:nvSpPr>
+          <p:cNvPr id="3" name="内容占位符 2"/>
+          <p:cNvSpPr>
+            <a:spLocks noGrp="1"/>
+          </p:cNvSpPr>
+          <p:nvPr>
+            <p:ph idx="1"/>
+          </p:nvPr>
+        </p:nvSpPr>
+        <p:spPr/>
+        <p:txBody>
+          <a:bodyPr/>
+          <a:lstStyle/>
+          <a:p>
+            <a:r>
+              <a:rPr lang="zh-CN" altLang="en-US" dirty="0" smtClean="0"/>
+              <a:t>几种生命周期模型介绍</a:t>
+            </a:r>
+            <a:endParaRPr lang="en-US" altLang="zh-CN" dirty="0" smtClean="0"/>
+          </a:p>
+          <a:p>
+            <a:r>
+              <a:rPr lang="zh-CN" altLang="en-US" dirty="0"/>
+              <a:t>基于里程碑</a:t>
+            </a:r>
+            <a:r>
+              <a:rPr lang="zh-CN" altLang="en-US" dirty="0" smtClean="0"/>
+              <a:t>的核心过</a:t>
+            </a:r>
+            <a:r>
+              <a:rPr lang="zh-CN" altLang="en-US" dirty="0"/>
+              <a:t>程模型</a:t>
+            </a:r>
+          </a:p>
+        </p:txBody>
+      </p:sp>
+    </p:spTree>
+    <p:extLst>
+      <p:ext uri="{BB962C8B-B14F-4D97-AF65-F5344CB8AC3E}">
+        <p14:creationId xmlns:p14="http://schemas.microsoft.com/office/powerpoint/2010/main" val="2396471336"/>
+      </p:ext>
+    </p:extLst>
+  </p:cSld>
+  <p:clrMapOvr>
+    <a:masterClrMapping/>
+  </p:clrMapOvr>
+  <p:timing>
+    <p:tnLst>
+      <p:par>
+        <p:cTn id="1" dur="indefinite" restart="never" nodeType="tmRoot"/>
+      </p:par>
+    </p:tnLst>
+  </p:timing>
+</p:sld>
+</file>
+
+<file path=ppt/slides/slide5.xml><?xml version="1.0" encoding="utf-8"?>
+<p:sld xmlns:a="http://schemas.openxmlformats.org/drawingml/2006/main" xmlns:r="http://schemas.openxmlformats.org/officeDocument/2006/relationships" xmlns:p="http://schemas.openxmlformats.org/presentationml/2006/main">
+  <p:cSld>
+    <p:spTree>
+      <p:nvGrpSpPr>
+        <p:cNvPr id="1" name=""/>
+        <p:cNvGrpSpPr/>
+        <p:nvPr/>
+      </p:nvGrpSpPr>
+      <p:grpSpPr>
+        <a:xfrm>
+          <a:off x="0" y="0"/>
+          <a:ext cx="0" cy="0"/>
+          <a:chOff x="0" y="0"/>
+          <a:chExt cx="0" cy="0"/>
+        </a:xfrm>
+      </p:grpSpPr>
+      <p:sp>
+        <p:nvSpPr>
+          <p:cNvPr id="2" name="标题 1"/>
+          <p:cNvSpPr>
+            <a:spLocks noGrp="1"/>
+          </p:cNvSpPr>
+          <p:nvPr>
+            <p:ph type="title"/>
+          </p:nvPr>
+        </p:nvSpPr>
+        <p:spPr/>
+        <p:txBody>
+          <a:bodyPr/>
+          <a:lstStyle/>
+          <a:p>
+            <a:r>
+              <a:rPr lang="zh-CN" altLang="en-US" dirty="0" smtClean="0"/>
               <a:t>几种生命周期介绍</a:t>
             </a:r>
             <a:endParaRPr lang="zh-CN" altLang="en-US" dirty="0"/>
@@ -14736,7 +17109,7 @@
 </p:sld>
 </file>
 
-<file path=ppt/slides/slide5.xml><?xml version="1.0" encoding="utf-8"?>
+<file path=ppt/slides/slide6.xml><?xml version="1.0" encoding="utf-8"?>
 <p:sld xmlns:a="http://schemas.openxmlformats.org/drawingml/2006/main" xmlns:r="http://schemas.openxmlformats.org/officeDocument/2006/relationships" xmlns:p="http://schemas.openxmlformats.org/presentationml/2006/main">
   <p:cSld>
     <p:spTree>
@@ -15531,7 +17904,7 @@
 </p:sld>
 </file>
 
-<file path=ppt/slides/slide6.xml><?xml version="1.0" encoding="utf-8"?>
+<file path=ppt/slides/slide7.xml><?xml version="1.0" encoding="utf-8"?>
 <p:sld xmlns:a="http://schemas.openxmlformats.org/drawingml/2006/main" xmlns:r="http://schemas.openxmlformats.org/officeDocument/2006/relationships" xmlns:p="http://schemas.openxmlformats.org/presentationml/2006/main">
   <p:cSld>
     <p:spTree>
@@ -17871,7 +20244,7 @@
 </p:sld>
 </file>
 
-<file path=ppt/slides/slide7.xml><?xml version="1.0" encoding="utf-8"?>
+<file path=ppt/slides/slide8.xml><?xml version="1.0" encoding="utf-8"?>
 <p:sld xmlns:a="http://schemas.openxmlformats.org/drawingml/2006/main" xmlns:r="http://schemas.openxmlformats.org/officeDocument/2006/relationships" xmlns:p="http://schemas.openxmlformats.org/presentationml/2006/main">
   <p:cSld>
     <p:spTree>
@@ -17997,7 +20370,7 @@
 </p:sld>
 </file>
 
-<file path=ppt/slides/slide8.xml><?xml version="1.0" encoding="utf-8"?>
+<file path=ppt/slides/slide9.xml><?xml version="1.0" encoding="utf-8"?>
 <p:sld xmlns:a="http://schemas.openxmlformats.org/drawingml/2006/main" xmlns:r="http://schemas.openxmlformats.org/officeDocument/2006/relationships" xmlns:p="http://schemas.openxmlformats.org/presentationml/2006/main">
   <p:cSld>
     <p:spTree>
@@ -18031,13 +20404,8 @@
           <a:p>
             <a:r>
               <a:rPr lang="zh-CN" altLang="en-US" dirty="0"/>
-              <a:t>构想</a:t>
-            </a:r>
-            <a:r>
-              <a:rPr lang="en-US" altLang="zh-CN" dirty="0"/>
-              <a:t>(Envisioning)</a:t>
-            </a:r>
-            <a:endParaRPr lang="zh-CN" altLang="en-US" dirty="0"/>
+              <a:t>目录</a:t>
+            </a:r>
           </a:p>
         </p:txBody>
       </p:sp>
@@ -18051,419 +20419,75 @@
             <p:ph idx="1"/>
           </p:nvPr>
         </p:nvSpPr>
-        <p:spPr>
-          <a:xfrm>
-            <a:off x="457200" y="1268760"/>
-            <a:ext cx="4114800" cy="4857403"/>
-          </a:xfrm>
-        </p:spPr>
+        <p:spPr/>
         <p:txBody>
           <a:bodyPr>
-            <a:normAutofit fontScale="92500"/>
+            <a:normAutofit lnSpcReduction="10000"/>
           </a:bodyPr>
           <a:lstStyle/>
           <a:p>
             <a:r>
               <a:rPr lang="zh-CN" altLang="en-US" dirty="0" smtClean="0"/>
-              <a:t>目标：</a:t>
+              <a:t>概述</a:t>
             </a:r>
             <a:endParaRPr lang="en-US" altLang="zh-CN" dirty="0" smtClean="0"/>
           </a:p>
           <a:p>
-            <a:pPr lvl="1"/>
+            <a:r>
+              <a:rPr lang="zh-CN" altLang="en-US" dirty="0"/>
+              <a:t>构想阶</a:t>
+            </a:r>
             <a:r>
               <a:rPr lang="zh-CN" altLang="en-US" dirty="0" smtClean="0"/>
-              <a:t>立项。建立项目愿景</a:t>
+              <a:t>段</a:t>
             </a:r>
             <a:endParaRPr lang="en-US" altLang="zh-CN" dirty="0" smtClean="0"/>
           </a:p>
           <a:p>
             <a:r>
               <a:rPr lang="zh-CN" altLang="en-US" dirty="0"/>
-              <a:t>可交付成果</a:t>
+              <a:t>计划阶</a:t>
             </a:r>
             <a:r>
               <a:rPr lang="zh-CN" altLang="en-US" dirty="0" smtClean="0"/>
-              <a:t>：</a:t>
+              <a:t>段</a:t>
             </a:r>
             <a:endParaRPr lang="en-US" altLang="zh-CN" dirty="0" smtClean="0"/>
           </a:p>
           <a:p>
-            <a:pPr lvl="1"/>
             <a:r>
               <a:rPr lang="zh-CN" altLang="en-US" dirty="0"/>
-              <a:t>项目章</a:t>
+              <a:t>开发阶</a:t>
             </a:r>
             <a:r>
               <a:rPr lang="zh-CN" altLang="en-US" dirty="0" smtClean="0"/>
-              <a:t>程</a:t>
+              <a:t>段</a:t>
             </a:r>
             <a:endParaRPr lang="en-US" altLang="zh-CN" dirty="0" smtClean="0"/>
           </a:p>
           <a:p>
-            <a:pPr lvl="1"/>
             <a:r>
               <a:rPr lang="zh-CN" altLang="en-US" dirty="0"/>
-              <a:t>干系人登记</a:t>
+              <a:t>稳固阶</a:t>
             </a:r>
             <a:r>
               <a:rPr lang="zh-CN" altLang="en-US" dirty="0" smtClean="0"/>
-              <a:t>册</a:t>
+              <a:t>段</a:t>
             </a:r>
             <a:endParaRPr lang="en-US" altLang="zh-CN" dirty="0" smtClean="0"/>
           </a:p>
           <a:p>
-            <a:pPr lvl="1"/>
             <a:r>
               <a:rPr lang="zh-CN" altLang="en-US" dirty="0"/>
-              <a:t>风险登记册</a:t>
-            </a:r>
-          </a:p>
-        </p:txBody>
-      </p:sp>
-      <p:pic>
-        <p:nvPicPr>
-          <p:cNvPr id="2050" name="Picture 2"/>
-          <p:cNvPicPr>
-            <a:picLocks noChangeAspect="1" noChangeArrowheads="1"/>
-          </p:cNvPicPr>
-          <p:nvPr/>
-        </p:nvPicPr>
-        <p:blipFill>
-          <a:blip r:embed="rId2">
-            <a:extLst>
-              <a:ext uri="{28A0092B-C50C-407E-A947-70E740481C1C}">
-                <a14:useLocalDpi xmlns:a14="http://schemas.microsoft.com/office/drawing/2010/main" val="0"/>
-              </a:ext>
-            </a:extLst>
-          </a:blip>
-          <a:srcRect/>
-          <a:stretch>
-            <a:fillRect/>
-          </a:stretch>
-        </p:blipFill>
-        <p:spPr bwMode="auto">
-          <a:xfrm>
-            <a:off x="5004048" y="1484784"/>
-            <a:ext cx="3816424" cy="2392219"/>
-          </a:xfrm>
-          <a:prstGeom prst="rect">
-            <a:avLst/>
-          </a:prstGeom>
-          <a:noFill/>
-          <a:ln>
-            <a:noFill/>
-          </a:ln>
-          <a:effectLst/>
-          <a:extLst>
-            <a:ext uri="{909E8E84-426E-40DD-AFC4-6F175D3DCCD1}">
-              <a14:hiddenFill xmlns:a14="http://schemas.microsoft.com/office/drawing/2010/main">
-                <a:solidFill>
-                  <a:schemeClr val="accent1"/>
-                </a:solidFill>
-              </a14:hiddenFill>
-            </a:ext>
-            <a:ext uri="{91240B29-F687-4F45-9708-019B960494DF}">
-              <a14:hiddenLine xmlns:a14="http://schemas.microsoft.com/office/drawing/2010/main" w="9525">
-                <a:solidFill>
-                  <a:schemeClr val="tx1"/>
-                </a:solidFill>
-                <a:miter lim="800000"/>
-                <a:headEnd/>
-                <a:tailEnd/>
-              </a14:hiddenLine>
-            </a:ext>
-            <a:ext uri="{AF507438-7753-43E0-B8FC-AC1667EBCBE1}">
-              <a14:hiddenEffects xmlns:a14="http://schemas.microsoft.com/office/drawing/2010/main">
-                <a:effectLst>
-                  <a:outerShdw dist="35921" dir="2700000" algn="ctr" rotWithShape="0">
-                    <a:schemeClr val="bg2"/>
-                  </a:outerShdw>
-                </a:effectLst>
-              </a14:hiddenEffects>
-            </a:ext>
-          </a:extLst>
-        </p:spPr>
-      </p:pic>
-      <p:pic>
-        <p:nvPicPr>
-          <p:cNvPr id="2051" name="Picture 3"/>
-          <p:cNvPicPr>
-            <a:picLocks noChangeAspect="1" noChangeArrowheads="1"/>
-          </p:cNvPicPr>
-          <p:nvPr/>
-        </p:nvPicPr>
-        <p:blipFill>
-          <a:blip r:embed="rId3">
-            <a:extLst>
-              <a:ext uri="{28A0092B-C50C-407E-A947-70E740481C1C}">
-                <a14:useLocalDpi xmlns:a14="http://schemas.microsoft.com/office/drawing/2010/main" val="0"/>
-              </a:ext>
-            </a:extLst>
-          </a:blip>
-          <a:srcRect/>
-          <a:stretch>
-            <a:fillRect/>
-          </a:stretch>
-        </p:blipFill>
-        <p:spPr bwMode="auto">
-          <a:xfrm>
-            <a:off x="4640547" y="4293096"/>
-            <a:ext cx="4543425" cy="1943100"/>
-          </a:xfrm>
-          <a:prstGeom prst="rect">
-            <a:avLst/>
-          </a:prstGeom>
-          <a:noFill/>
-          <a:ln>
-            <a:noFill/>
-          </a:ln>
-          <a:effectLst/>
-          <a:extLst>
-            <a:ext uri="{909E8E84-426E-40DD-AFC4-6F175D3DCCD1}">
-              <a14:hiddenFill xmlns:a14="http://schemas.microsoft.com/office/drawing/2010/main">
-                <a:solidFill>
-                  <a:schemeClr val="accent1"/>
-                </a:solidFill>
-              </a14:hiddenFill>
-            </a:ext>
-            <a:ext uri="{91240B29-F687-4F45-9708-019B960494DF}">
-              <a14:hiddenLine xmlns:a14="http://schemas.microsoft.com/office/drawing/2010/main" w="9525">
-                <a:solidFill>
-                  <a:schemeClr val="tx1"/>
-                </a:solidFill>
-                <a:miter lim="800000"/>
-                <a:headEnd/>
-                <a:tailEnd/>
-              </a14:hiddenLine>
-            </a:ext>
-            <a:ext uri="{AF507438-7753-43E0-B8FC-AC1667EBCBE1}">
-              <a14:hiddenEffects xmlns:a14="http://schemas.microsoft.com/office/drawing/2010/main">
-                <a:effectLst>
-                  <a:outerShdw dist="35921" dir="2700000" algn="ctr" rotWithShape="0">
-                    <a:schemeClr val="bg2"/>
-                  </a:outerShdw>
-                </a:effectLst>
-              </a14:hiddenEffects>
-            </a:ext>
-          </a:extLst>
-        </p:spPr>
-      </p:pic>
-    </p:spTree>
-    <p:extLst>
-      <p:ext uri="{BB962C8B-B14F-4D97-AF65-F5344CB8AC3E}">
-        <p14:creationId xmlns:p14="http://schemas.microsoft.com/office/powerpoint/2010/main" val="558824130"/>
-      </p:ext>
-    </p:extLst>
-  </p:cSld>
-  <p:clrMapOvr>
-    <a:masterClrMapping/>
-  </p:clrMapOvr>
-  <p:timing>
-    <p:tnLst>
-      <p:par>
-        <p:cTn id="1" dur="indefinite" restart="never" nodeType="tmRoot"/>
-      </p:par>
-    </p:tnLst>
-  </p:timing>
-</p:sld>
-</file>
-
-<file path=ppt/slides/slide9.xml><?xml version="1.0" encoding="utf-8"?>
-<p:sld xmlns:a="http://schemas.openxmlformats.org/drawingml/2006/main" xmlns:r="http://schemas.openxmlformats.org/officeDocument/2006/relationships" xmlns:p="http://schemas.openxmlformats.org/presentationml/2006/main">
-  <p:cSld>
-    <p:spTree>
-      <p:nvGrpSpPr>
-        <p:cNvPr id="1" name=""/>
-        <p:cNvGrpSpPr/>
-        <p:nvPr/>
-      </p:nvGrpSpPr>
-      <p:grpSpPr>
-        <a:xfrm>
-          <a:off x="0" y="0"/>
-          <a:ext cx="0" cy="0"/>
-          <a:chOff x="0" y="0"/>
-          <a:chExt cx="0" cy="0"/>
-        </a:xfrm>
-      </p:grpSpPr>
-      <p:sp>
-        <p:nvSpPr>
-          <p:cNvPr id="36866" name="标题 1"/>
-          <p:cNvSpPr>
-            <a:spLocks noGrp="1"/>
-          </p:cNvSpPr>
-          <p:nvPr>
-            <p:ph type="title"/>
-          </p:nvPr>
-        </p:nvSpPr>
-        <p:spPr/>
-        <p:txBody>
-          <a:bodyPr/>
-          <a:lstStyle/>
-          <a:p>
-            <a:r>
-              <a:rPr lang="zh-CN" altLang="en-US" dirty="0" smtClean="0"/>
-              <a:t>准备知识</a:t>
-            </a:r>
-            <a:r>
-              <a:rPr lang="en-US" altLang="zh-CN" dirty="0" smtClean="0"/>
-              <a:t>——</a:t>
-            </a:r>
-            <a:r>
-              <a:rPr lang="zh-CN" altLang="en-US" dirty="0" smtClean="0"/>
-              <a:t>项目愿景</a:t>
-            </a:r>
-          </a:p>
-        </p:txBody>
-      </p:sp>
-      <p:sp>
-        <p:nvSpPr>
-          <p:cNvPr id="36867" name="内容占位符 2"/>
-          <p:cNvSpPr>
-            <a:spLocks noGrp="1"/>
-          </p:cNvSpPr>
-          <p:nvPr>
-            <p:ph idx="1"/>
-          </p:nvPr>
-        </p:nvSpPr>
-        <p:spPr>
-          <a:xfrm>
-            <a:off x="457200" y="1196752"/>
-            <a:ext cx="8229600" cy="4929411"/>
-          </a:xfrm>
-        </p:spPr>
-        <p:txBody>
-          <a:bodyPr>
-            <a:normAutofit/>
-          </a:bodyPr>
-          <a:lstStyle/>
-          <a:p>
-            <a:r>
-              <a:rPr lang="zh-CN" altLang="en-US" b="1" dirty="0" smtClean="0">
-                <a:solidFill>
-                  <a:srgbClr val="FF0000"/>
-                </a:solidFill>
-              </a:rPr>
-              <a:t>什么是愿景？</a:t>
-            </a:r>
-            <a:endParaRPr lang="en-US" altLang="zh-CN" b="1" dirty="0" smtClean="0">
-              <a:solidFill>
-                <a:srgbClr val="FF0000"/>
-              </a:solidFill>
-            </a:endParaRPr>
-          </a:p>
-          <a:p>
-            <a:pPr lvl="1"/>
-            <a:r>
-              <a:rPr lang="zh-CN" altLang="en-US" dirty="0" smtClean="0"/>
-              <a:t>愿景</a:t>
-            </a:r>
-            <a:r>
-              <a:rPr lang="en-US" altLang="zh-CN" dirty="0" smtClean="0"/>
-              <a:t>[Vision]</a:t>
-            </a:r>
-            <a:r>
-              <a:rPr lang="zh-CN" altLang="en-US" dirty="0" smtClean="0"/>
-              <a:t>：</a:t>
-            </a:r>
-            <a:r>
-              <a:rPr lang="zh-CN" altLang="en-US" dirty="0" smtClean="0">
-                <a:solidFill>
-                  <a:srgbClr val="FF0000"/>
-                </a:solidFill>
-              </a:rPr>
-              <a:t>所向往的前景</a:t>
-            </a:r>
-            <a:r>
-              <a:rPr lang="zh-CN" altLang="en-US" dirty="0" smtClean="0"/>
-              <a:t>。</a:t>
-            </a:r>
-            <a:r>
-              <a:rPr lang="en-US" altLang="zh-CN" dirty="0" smtClean="0"/>
-              <a:t/>
-            </a:r>
-            <a:br>
-              <a:rPr lang="en-US" altLang="zh-CN" dirty="0" smtClean="0"/>
-            </a:br>
-            <a:r>
-              <a:rPr lang="en-US" altLang="zh-CN" dirty="0" smtClean="0"/>
-              <a:t>			</a:t>
-            </a:r>
-            <a:r>
-              <a:rPr lang="en-US" altLang="zh-CN" sz="1600" dirty="0" smtClean="0"/>
-              <a:t>--</a:t>
-            </a:r>
-            <a:r>
-              <a:rPr lang="zh-CN" altLang="en-US" sz="1600" dirty="0" smtClean="0"/>
-              <a:t>摘自：</a:t>
-            </a:r>
-            <a:r>
-              <a:rPr lang="en-US" altLang="zh-CN" sz="1600" dirty="0" smtClean="0"/>
-              <a:t>《</a:t>
-            </a:r>
-            <a:r>
-              <a:rPr lang="zh-CN" altLang="en-US" sz="1600" dirty="0" smtClean="0"/>
-              <a:t>现代汉语大词典</a:t>
-            </a:r>
-            <a:r>
-              <a:rPr lang="en-US" altLang="zh-CN" sz="1600" dirty="0" smtClean="0"/>
-              <a:t>》</a:t>
-            </a:r>
-            <a:r>
-              <a:rPr lang="zh-CN" altLang="en-US" sz="1600" dirty="0" smtClean="0"/>
-              <a:t>（第</a:t>
-            </a:r>
-            <a:r>
-              <a:rPr lang="en-US" altLang="zh-CN" sz="1600" dirty="0" smtClean="0"/>
-              <a:t>5</a:t>
-            </a:r>
-            <a:r>
-              <a:rPr lang="zh-CN" altLang="en-US" sz="1600" dirty="0" smtClean="0"/>
-              <a:t>版）</a:t>
-            </a:r>
-            <a:endParaRPr lang="en-US" altLang="zh-CN" dirty="0" smtClean="0"/>
-          </a:p>
-          <a:p>
-            <a:pPr lvl="1"/>
-            <a:r>
-              <a:rPr lang="zh-CN" altLang="en-US" dirty="0" smtClean="0"/>
-              <a:t>愿景</a:t>
-            </a:r>
-            <a:r>
-              <a:rPr lang="zh-CN" altLang="en-US" dirty="0" smtClean="0">
-                <a:solidFill>
-                  <a:srgbClr val="FF0000"/>
-                </a:solidFill>
-              </a:rPr>
-              <a:t>是人们永远为之奋斗希望达到的图景。</a:t>
-            </a:r>
-            <a:endParaRPr lang="en-US" altLang="zh-CN" dirty="0" smtClean="0">
-              <a:solidFill>
-                <a:srgbClr val="FF0000"/>
-              </a:solidFill>
-            </a:endParaRPr>
-          </a:p>
-          <a:p>
-            <a:pPr lvl="1"/>
-            <a:r>
-              <a:rPr lang="zh-CN" altLang="en-US" dirty="0" smtClean="0"/>
-              <a:t>没有阶级、没有压迫、没有贫穷、没有失业、人人幸福的共产主义社会其实就是全世界共产党人的共同愿景。</a:t>
-            </a:r>
-            <a:endParaRPr lang="en-US" altLang="zh-CN" dirty="0" smtClean="0"/>
-          </a:p>
-          <a:p>
-            <a:pPr>
-              <a:buFont typeface="Wingdings" pitchFamily="2" charset="2"/>
-              <a:buNone/>
-            </a:pPr>
-            <a:endParaRPr lang="zh-CN" altLang="en-US" dirty="0" smtClean="0"/>
+              <a:t>发布阶段</a:t>
+            </a:r>
           </a:p>
         </p:txBody>
       </p:sp>
     </p:spTree>
     <p:extLst>
       <p:ext uri="{BB962C8B-B14F-4D97-AF65-F5344CB8AC3E}">
-        <p14:creationId xmlns:p14="http://schemas.microsoft.com/office/powerpoint/2010/main" val="1494200792"/>
+        <p14:creationId xmlns:p14="http://schemas.microsoft.com/office/powerpoint/2010/main" val="3434494635"/>
       </p:ext>
     </p:extLst>
   </p:cSld>
